--- a/01-benchmark-dotnet/BenchmarkDotNet.pptx
+++ b/01-benchmark-dotnet/BenchmarkDotNet.pptx
@@ -8,12 +8,17 @@
     <p:sldId id="257" r:id="rId2"/>
     <p:sldId id="258" r:id="rId3"/>
     <p:sldId id="259" r:id="rId4"/>
-    <p:sldId id="260" r:id="rId5"/>
-    <p:sldId id="261" r:id="rId6"/>
-    <p:sldId id="262" r:id="rId7"/>
-    <p:sldId id="263" r:id="rId8"/>
-    <p:sldId id="264" r:id="rId9"/>
-    <p:sldId id="265" r:id="rId10"/>
+    <p:sldId id="266" r:id="rId5"/>
+    <p:sldId id="260" r:id="rId6"/>
+    <p:sldId id="261" r:id="rId7"/>
+    <p:sldId id="262" r:id="rId8"/>
+    <p:sldId id="263" r:id="rId9"/>
+    <p:sldId id="264" r:id="rId10"/>
+    <p:sldId id="265" r:id="rId11"/>
+    <p:sldId id="267" r:id="rId12"/>
+    <p:sldId id="268" r:id="rId13"/>
+    <p:sldId id="269" r:id="rId14"/>
+    <p:sldId id="270" r:id="rId15"/>
   </p:sldIdLst>
   <p:sldSz cx="12192000" cy="6858000"/>
   <p:notesSz cx="6858000" cy="9144000"/>
@@ -112,6 +117,11 @@
       </a:defRPr>
     </a:lvl9pPr>
   </p:defaultTextStyle>
+  <p:extLst>
+    <p:ext uri="{EFAFB233-063F-42B5-8137-9DF3F51BA10A}">
+      <p15:sldGuideLst xmlns:p15="http://schemas.microsoft.com/office/powerpoint/2012/main"/>
+    </p:ext>
+  </p:extLst>
 </p:presentation>
 </file>
 
@@ -262,7 +272,7 @@
           <a:p>
             <a:fld id="{7CBD75EA-57B5-4FA1-A560-88CFE9B07E9A}" type="datetimeFigureOut">
               <a:rPr lang="it-IT" smtClean="0"/>
-              <a:t>15/09/2019</a:t>
+              <a:t>23/09/2019</a:t>
             </a:fld>
             <a:endParaRPr lang="it-IT"/>
           </a:p>
@@ -460,7 +470,7 @@
           <a:p>
             <a:fld id="{7CBD75EA-57B5-4FA1-A560-88CFE9B07E9A}" type="datetimeFigureOut">
               <a:rPr lang="it-IT" smtClean="0"/>
-              <a:t>15/09/2019</a:t>
+              <a:t>23/09/2019</a:t>
             </a:fld>
             <a:endParaRPr lang="it-IT"/>
           </a:p>
@@ -668,7 +678,7 @@
           <a:p>
             <a:fld id="{7CBD75EA-57B5-4FA1-A560-88CFE9B07E9A}" type="datetimeFigureOut">
               <a:rPr lang="it-IT" smtClean="0"/>
-              <a:t>15/09/2019</a:t>
+              <a:t>23/09/2019</a:t>
             </a:fld>
             <a:endParaRPr lang="it-IT"/>
           </a:p>
@@ -866,7 +876,7 @@
           <a:p>
             <a:fld id="{7CBD75EA-57B5-4FA1-A560-88CFE9B07E9A}" type="datetimeFigureOut">
               <a:rPr lang="it-IT" smtClean="0"/>
-              <a:t>15/09/2019</a:t>
+              <a:t>23/09/2019</a:t>
             </a:fld>
             <a:endParaRPr lang="it-IT"/>
           </a:p>
@@ -1141,7 +1151,7 @@
           <a:p>
             <a:fld id="{7CBD75EA-57B5-4FA1-A560-88CFE9B07E9A}" type="datetimeFigureOut">
               <a:rPr lang="it-IT" smtClean="0"/>
-              <a:t>15/09/2019</a:t>
+              <a:t>23/09/2019</a:t>
             </a:fld>
             <a:endParaRPr lang="it-IT"/>
           </a:p>
@@ -1406,7 +1416,7 @@
           <a:p>
             <a:fld id="{7CBD75EA-57B5-4FA1-A560-88CFE9B07E9A}" type="datetimeFigureOut">
               <a:rPr lang="it-IT" smtClean="0"/>
-              <a:t>15/09/2019</a:t>
+              <a:t>23/09/2019</a:t>
             </a:fld>
             <a:endParaRPr lang="it-IT"/>
           </a:p>
@@ -1818,7 +1828,7 @@
           <a:p>
             <a:fld id="{7CBD75EA-57B5-4FA1-A560-88CFE9B07E9A}" type="datetimeFigureOut">
               <a:rPr lang="it-IT" smtClean="0"/>
-              <a:t>15/09/2019</a:t>
+              <a:t>23/09/2019</a:t>
             </a:fld>
             <a:endParaRPr lang="it-IT"/>
           </a:p>
@@ -1959,7 +1969,7 @@
           <a:p>
             <a:fld id="{7CBD75EA-57B5-4FA1-A560-88CFE9B07E9A}" type="datetimeFigureOut">
               <a:rPr lang="it-IT" smtClean="0"/>
-              <a:t>15/09/2019</a:t>
+              <a:t>23/09/2019</a:t>
             </a:fld>
             <a:endParaRPr lang="it-IT"/>
           </a:p>
@@ -2072,7 +2082,7 @@
           <a:p>
             <a:fld id="{7CBD75EA-57B5-4FA1-A560-88CFE9B07E9A}" type="datetimeFigureOut">
               <a:rPr lang="it-IT" smtClean="0"/>
-              <a:t>15/09/2019</a:t>
+              <a:t>23/09/2019</a:t>
             </a:fld>
             <a:endParaRPr lang="it-IT"/>
           </a:p>
@@ -2383,7 +2393,7 @@
           <a:p>
             <a:fld id="{7CBD75EA-57B5-4FA1-A560-88CFE9B07E9A}" type="datetimeFigureOut">
               <a:rPr lang="it-IT" smtClean="0"/>
-              <a:t>15/09/2019</a:t>
+              <a:t>23/09/2019</a:t>
             </a:fld>
             <a:endParaRPr lang="it-IT"/>
           </a:p>
@@ -2671,7 +2681,7 @@
           <a:p>
             <a:fld id="{7CBD75EA-57B5-4FA1-A560-88CFE9B07E9A}" type="datetimeFigureOut">
               <a:rPr lang="it-IT" smtClean="0"/>
-              <a:t>15/09/2019</a:t>
+              <a:t>23/09/2019</a:t>
             </a:fld>
             <a:endParaRPr lang="it-IT"/>
           </a:p>
@@ -2912,7 +2922,7 @@
           <a:p>
             <a:fld id="{7CBD75EA-57B5-4FA1-A560-88CFE9B07E9A}" type="datetimeFigureOut">
               <a:rPr lang="it-IT" smtClean="0"/>
-              <a:t>15/09/2019</a:t>
+              <a:t>23/09/2019</a:t>
             </a:fld>
             <a:endParaRPr lang="it-IT"/>
           </a:p>
@@ -3562,6 +3572,1540 @@
 </p:sld>
 </file>
 
+<file path=ppt/slides/slide10.xml><?xml version="1.0" encoding="utf-8"?>
+<p:sld xmlns:a="http://schemas.openxmlformats.org/drawingml/2006/main" xmlns:r="http://schemas.openxmlformats.org/officeDocument/2006/relationships" xmlns:p="http://schemas.openxmlformats.org/presentationml/2006/main">
+  <p:cSld>
+    <p:bg>
+      <p:bgPr>
+        <a:solidFill>
+          <a:schemeClr val="bg1"/>
+        </a:solidFill>
+        <a:effectLst/>
+      </p:bgPr>
+    </p:bg>
+    <p:spTree>
+      <p:nvGrpSpPr>
+        <p:cNvPr id="1" name=""/>
+        <p:cNvGrpSpPr/>
+        <p:nvPr/>
+      </p:nvGrpSpPr>
+      <p:grpSpPr>
+        <a:xfrm>
+          <a:off x="0" y="0"/>
+          <a:ext cx="0" cy="0"/>
+          <a:chOff x="0" y="0"/>
+          <a:chExt cx="0" cy="0"/>
+        </a:xfrm>
+      </p:grpSpPr>
+      <p:sp>
+        <p:nvSpPr>
+          <p:cNvPr id="9" name="Rectangle 8">
+            <a:extLst>
+              <a:ext uri="{FF2B5EF4-FFF2-40B4-BE49-F238E27FC236}">
+                <a16:creationId xmlns:a16="http://schemas.microsoft.com/office/drawing/2014/main" id="{6753252F-4873-4F63-801D-CC719279A7D5}"/>
+              </a:ext>
+              <a:ext uri="{C183D7F6-B498-43B3-948B-1728B52AA6E4}">
+                <adec:decorative xmlns:adec="http://schemas.microsoft.com/office/drawing/2017/decorative" val="1"/>
+              </a:ext>
+            </a:extLst>
+          </p:cNvPr>
+          <p:cNvSpPr>
+            <a:spLocks noGrp="1" noRot="1" noChangeAspect="1" noMove="1" noResize="1" noEditPoints="1" noAdjustHandles="1" noChangeArrowheads="1" noChangeShapeType="1" noTextEdit="1"/>
+          </p:cNvSpPr>
+          <p:nvPr>
+            <p:extLst>
+              <p:ext uri="{386F3935-93C4-4BCD-93E2-E3B085C9AB24}">
+                <p16:designElem xmlns:p16="http://schemas.microsoft.com/office/powerpoint/2015/main" val="1"/>
+              </p:ext>
+            </p:extLst>
+          </p:nvPr>
+        </p:nvSpPr>
+        <p:spPr>
+          <a:xfrm>
+            <a:off x="0" y="0"/>
+            <a:ext cx="12192000" cy="6858000"/>
+          </a:xfrm>
+          <a:prstGeom prst="rect">
+            <a:avLst/>
+          </a:prstGeom>
+          <a:solidFill>
+            <a:srgbClr val="FFFFFF"/>
+          </a:solidFill>
+          <a:ln>
+            <a:noFill/>
+          </a:ln>
+        </p:spPr>
+        <p:style>
+          <a:lnRef idx="2">
+            <a:schemeClr val="accent1">
+              <a:shade val="50000"/>
+            </a:schemeClr>
+          </a:lnRef>
+          <a:fillRef idx="1">
+            <a:schemeClr val="accent1"/>
+          </a:fillRef>
+          <a:effectRef idx="0">
+            <a:schemeClr val="accent1"/>
+          </a:effectRef>
+          <a:fontRef idx="minor">
+            <a:schemeClr val="lt1"/>
+          </a:fontRef>
+        </p:style>
+        <p:txBody>
+          <a:bodyPr rtlCol="0" anchor="ctr"/>
+          <a:lstStyle/>
+          <a:p>
+            <a:pPr algn="ctr"/>
+            <a:endParaRPr lang="en-US"/>
+          </a:p>
+        </p:txBody>
+      </p:sp>
+      <p:sp>
+        <p:nvSpPr>
+          <p:cNvPr id="11" name="Rectangle 10">
+            <a:extLst>
+              <a:ext uri="{FF2B5EF4-FFF2-40B4-BE49-F238E27FC236}">
+                <a16:creationId xmlns:a16="http://schemas.microsoft.com/office/drawing/2014/main" id="{047C8CCB-F95D-4249-92DD-651249D3535A}"/>
+              </a:ext>
+              <a:ext uri="{C183D7F6-B498-43B3-948B-1728B52AA6E4}">
+                <adec:decorative xmlns:adec="http://schemas.microsoft.com/office/drawing/2017/decorative" val="1"/>
+              </a:ext>
+            </a:extLst>
+          </p:cNvPr>
+          <p:cNvSpPr>
+            <a:spLocks noGrp="1" noRot="1" noChangeAspect="1" noMove="1" noResize="1" noEditPoints="1" noAdjustHandles="1" noChangeArrowheads="1" noChangeShapeType="1" noTextEdit="1"/>
+          </p:cNvSpPr>
+          <p:nvPr>
+            <p:extLst>
+              <p:ext uri="{386F3935-93C4-4BCD-93E2-E3B085C9AB24}">
+                <p16:designElem xmlns:p16="http://schemas.microsoft.com/office/powerpoint/2015/main" val="1"/>
+              </p:ext>
+            </p:extLst>
+          </p:nvPr>
+        </p:nvSpPr>
+        <p:spPr>
+          <a:xfrm>
+            <a:off x="0" y="0"/>
+            <a:ext cx="2013557" cy="6858000"/>
+          </a:xfrm>
+          <a:prstGeom prst="rect">
+            <a:avLst/>
+          </a:prstGeom>
+          <a:solidFill>
+            <a:srgbClr val="465A5E"/>
+          </a:solidFill>
+          <a:ln>
+            <a:noFill/>
+          </a:ln>
+        </p:spPr>
+        <p:style>
+          <a:lnRef idx="2">
+            <a:schemeClr val="accent1">
+              <a:shade val="50000"/>
+            </a:schemeClr>
+          </a:lnRef>
+          <a:fillRef idx="1">
+            <a:schemeClr val="accent1"/>
+          </a:fillRef>
+          <a:effectRef idx="0">
+            <a:schemeClr val="accent1"/>
+          </a:effectRef>
+          <a:fontRef idx="minor">
+            <a:schemeClr val="lt1"/>
+          </a:fontRef>
+        </p:style>
+        <p:txBody>
+          <a:bodyPr rtlCol="0" anchor="ctr"/>
+          <a:lstStyle/>
+          <a:p>
+            <a:pPr algn="ctr"/>
+            <a:endParaRPr lang="en-US"/>
+          </a:p>
+        </p:txBody>
+      </p:sp>
+      <p:sp>
+        <p:nvSpPr>
+          <p:cNvPr id="2" name="Titolo 1">
+            <a:extLst>
+              <a:ext uri="{FF2B5EF4-FFF2-40B4-BE49-F238E27FC236}">
+                <a16:creationId xmlns:a16="http://schemas.microsoft.com/office/drawing/2014/main" id="{AC023D4E-B399-468D-82BF-2C311AB2CDA4}"/>
+              </a:ext>
+            </a:extLst>
+          </p:cNvPr>
+          <p:cNvSpPr>
+            <a:spLocks noGrp="1"/>
+          </p:cNvSpPr>
+          <p:nvPr>
+            <p:ph type="title"/>
+          </p:nvPr>
+        </p:nvSpPr>
+        <p:spPr>
+          <a:xfrm>
+            <a:off x="364308" y="2074362"/>
+            <a:ext cx="2752354" cy="2709275"/>
+          </a:xfrm>
+          <a:prstGeom prst="ellipse">
+            <a:avLst/>
+          </a:prstGeom>
+          <a:solidFill>
+            <a:srgbClr val="262626"/>
+          </a:solidFill>
+          <a:ln w="174625" cmpd="thinThick">
+            <a:solidFill>
+              <a:srgbClr val="262626"/>
+            </a:solidFill>
+          </a:ln>
+        </p:spPr>
+        <p:txBody>
+          <a:bodyPr vert="horz" lIns="91440" tIns="45720" rIns="91440" bIns="45720" rtlCol="0" anchor="ctr">
+            <a:normAutofit/>
+          </a:bodyPr>
+          <a:lstStyle/>
+          <a:p>
+            <a:pPr algn="ctr"/>
+            <a:r>
+              <a:rPr lang="en-US" sz="2400" kern="1200" dirty="0">
+                <a:solidFill>
+                  <a:srgbClr val="FFFFFF"/>
+                </a:solidFill>
+                <a:latin typeface="+mj-lt"/>
+                <a:ea typeface="+mj-ea"/>
+                <a:cs typeface="+mj-cs"/>
+              </a:rPr>
+              <a:t>Memory </a:t>
+            </a:r>
+            <a:r>
+              <a:rPr lang="en-US" sz="2400" kern="1200" dirty="0" err="1">
+                <a:solidFill>
+                  <a:srgbClr val="FFFFFF"/>
+                </a:solidFill>
+                <a:latin typeface="+mj-lt"/>
+                <a:ea typeface="+mj-ea"/>
+                <a:cs typeface="+mj-cs"/>
+              </a:rPr>
+              <a:t>Diagnoser</a:t>
+            </a:r>
+            <a:endParaRPr lang="en-US" sz="2400" kern="1200" dirty="0">
+              <a:solidFill>
+                <a:srgbClr val="FFFFFF"/>
+              </a:solidFill>
+              <a:latin typeface="+mj-lt"/>
+              <a:ea typeface="+mj-ea"/>
+              <a:cs typeface="+mj-cs"/>
+            </a:endParaRPr>
+          </a:p>
+        </p:txBody>
+      </p:sp>
+      <p:pic>
+        <p:nvPicPr>
+          <p:cNvPr id="6" name="Segnaposto contenuto 5">
+            <a:extLst>
+              <a:ext uri="{FF2B5EF4-FFF2-40B4-BE49-F238E27FC236}">
+                <a16:creationId xmlns:a16="http://schemas.microsoft.com/office/drawing/2014/main" id="{40FDBAE8-70BA-4E63-9428-A75E639FD746}"/>
+              </a:ext>
+            </a:extLst>
+          </p:cNvPr>
+          <p:cNvPicPr>
+            <a:picLocks noGrp="1" noChangeAspect="1"/>
+          </p:cNvPicPr>
+          <p:nvPr>
+            <p:ph idx="1"/>
+          </p:nvPr>
+        </p:nvPicPr>
+        <p:blipFill>
+          <a:blip r:embed="rId2"/>
+          <a:stretch>
+            <a:fillRect/>
+          </a:stretch>
+        </p:blipFill>
+        <p:spPr>
+          <a:xfrm>
+            <a:off x="3392434" y="0"/>
+            <a:ext cx="8688200" cy="6231988"/>
+          </a:xfrm>
+          <a:prstGeom prst="rect">
+            <a:avLst/>
+          </a:prstGeom>
+        </p:spPr>
+      </p:pic>
+    </p:spTree>
+    <p:extLst>
+      <p:ext uri="{BB962C8B-B14F-4D97-AF65-F5344CB8AC3E}">
+        <p14:creationId xmlns:p14="http://schemas.microsoft.com/office/powerpoint/2010/main" val="2600167874"/>
+      </p:ext>
+    </p:extLst>
+  </p:cSld>
+  <p:clrMapOvr>
+    <a:masterClrMapping/>
+  </p:clrMapOvr>
+</p:sld>
+</file>
+
+<file path=ppt/slides/slide11.xml><?xml version="1.0" encoding="utf-8"?>
+<p:sld xmlns:a="http://schemas.openxmlformats.org/drawingml/2006/main" xmlns:r="http://schemas.openxmlformats.org/officeDocument/2006/relationships" xmlns:p="http://schemas.openxmlformats.org/presentationml/2006/main">
+  <p:cSld>
+    <p:bg>
+      <p:bgPr>
+        <a:solidFill>
+          <a:schemeClr val="bg1"/>
+        </a:solidFill>
+        <a:effectLst/>
+      </p:bgPr>
+    </p:bg>
+    <p:spTree>
+      <p:nvGrpSpPr>
+        <p:cNvPr id="1" name=""/>
+        <p:cNvGrpSpPr/>
+        <p:nvPr/>
+      </p:nvGrpSpPr>
+      <p:grpSpPr>
+        <a:xfrm>
+          <a:off x="0" y="0"/>
+          <a:ext cx="0" cy="0"/>
+          <a:chOff x="0" y="0"/>
+          <a:chExt cx="0" cy="0"/>
+        </a:xfrm>
+      </p:grpSpPr>
+      <p:sp>
+        <p:nvSpPr>
+          <p:cNvPr id="9" name="Rectangle 8">
+            <a:extLst>
+              <a:ext uri="{FF2B5EF4-FFF2-40B4-BE49-F238E27FC236}">
+                <a16:creationId xmlns:a16="http://schemas.microsoft.com/office/drawing/2014/main" id="{6753252F-4873-4F63-801D-CC719279A7D5}"/>
+              </a:ext>
+              <a:ext uri="{C183D7F6-B498-43B3-948B-1728B52AA6E4}">
+                <adec:decorative xmlns:adec="http://schemas.microsoft.com/office/drawing/2017/decorative" val="1"/>
+              </a:ext>
+            </a:extLst>
+          </p:cNvPr>
+          <p:cNvSpPr>
+            <a:spLocks noGrp="1" noRot="1" noChangeAspect="1" noMove="1" noResize="1" noEditPoints="1" noAdjustHandles="1" noChangeArrowheads="1" noChangeShapeType="1" noTextEdit="1"/>
+          </p:cNvSpPr>
+          <p:nvPr>
+            <p:extLst>
+              <p:ext uri="{386F3935-93C4-4BCD-93E2-E3B085C9AB24}">
+                <p16:designElem xmlns:p16="http://schemas.microsoft.com/office/powerpoint/2015/main" val="1"/>
+              </p:ext>
+            </p:extLst>
+          </p:nvPr>
+        </p:nvSpPr>
+        <p:spPr>
+          <a:xfrm>
+            <a:off x="0" y="0"/>
+            <a:ext cx="12192000" cy="6858000"/>
+          </a:xfrm>
+          <a:prstGeom prst="rect">
+            <a:avLst/>
+          </a:prstGeom>
+          <a:solidFill>
+            <a:srgbClr val="FFFFFF"/>
+          </a:solidFill>
+          <a:ln>
+            <a:noFill/>
+          </a:ln>
+        </p:spPr>
+        <p:style>
+          <a:lnRef idx="2">
+            <a:schemeClr val="accent1">
+              <a:shade val="50000"/>
+            </a:schemeClr>
+          </a:lnRef>
+          <a:fillRef idx="1">
+            <a:schemeClr val="accent1"/>
+          </a:fillRef>
+          <a:effectRef idx="0">
+            <a:schemeClr val="accent1"/>
+          </a:effectRef>
+          <a:fontRef idx="minor">
+            <a:schemeClr val="lt1"/>
+          </a:fontRef>
+        </p:style>
+        <p:txBody>
+          <a:bodyPr rtlCol="0" anchor="ctr"/>
+          <a:lstStyle/>
+          <a:p>
+            <a:pPr algn="ctr"/>
+            <a:endParaRPr lang="en-US"/>
+          </a:p>
+        </p:txBody>
+      </p:sp>
+      <p:sp>
+        <p:nvSpPr>
+          <p:cNvPr id="11" name="Rectangle 10">
+            <a:extLst>
+              <a:ext uri="{FF2B5EF4-FFF2-40B4-BE49-F238E27FC236}">
+                <a16:creationId xmlns:a16="http://schemas.microsoft.com/office/drawing/2014/main" id="{047C8CCB-F95D-4249-92DD-651249D3535A}"/>
+              </a:ext>
+              <a:ext uri="{C183D7F6-B498-43B3-948B-1728B52AA6E4}">
+                <adec:decorative xmlns:adec="http://schemas.microsoft.com/office/drawing/2017/decorative" val="1"/>
+              </a:ext>
+            </a:extLst>
+          </p:cNvPr>
+          <p:cNvSpPr>
+            <a:spLocks noGrp="1" noRot="1" noChangeAspect="1" noMove="1" noResize="1" noEditPoints="1" noAdjustHandles="1" noChangeArrowheads="1" noChangeShapeType="1" noTextEdit="1"/>
+          </p:cNvSpPr>
+          <p:nvPr>
+            <p:extLst>
+              <p:ext uri="{386F3935-93C4-4BCD-93E2-E3B085C9AB24}">
+                <p16:designElem xmlns:p16="http://schemas.microsoft.com/office/powerpoint/2015/main" val="1"/>
+              </p:ext>
+            </p:extLst>
+          </p:nvPr>
+        </p:nvSpPr>
+        <p:spPr>
+          <a:xfrm>
+            <a:off x="0" y="0"/>
+            <a:ext cx="2013557" cy="6858000"/>
+          </a:xfrm>
+          <a:prstGeom prst="rect">
+            <a:avLst/>
+          </a:prstGeom>
+          <a:solidFill>
+            <a:srgbClr val="465A5E"/>
+          </a:solidFill>
+          <a:ln>
+            <a:noFill/>
+          </a:ln>
+        </p:spPr>
+        <p:style>
+          <a:lnRef idx="2">
+            <a:schemeClr val="accent1">
+              <a:shade val="50000"/>
+            </a:schemeClr>
+          </a:lnRef>
+          <a:fillRef idx="1">
+            <a:schemeClr val="accent1"/>
+          </a:fillRef>
+          <a:effectRef idx="0">
+            <a:schemeClr val="accent1"/>
+          </a:effectRef>
+          <a:fontRef idx="minor">
+            <a:schemeClr val="lt1"/>
+          </a:fontRef>
+        </p:style>
+        <p:txBody>
+          <a:bodyPr rtlCol="0" anchor="ctr"/>
+          <a:lstStyle/>
+          <a:p>
+            <a:pPr algn="ctr"/>
+            <a:endParaRPr lang="en-US"/>
+          </a:p>
+        </p:txBody>
+      </p:sp>
+      <p:sp>
+        <p:nvSpPr>
+          <p:cNvPr id="2" name="Titolo 1">
+            <a:extLst>
+              <a:ext uri="{FF2B5EF4-FFF2-40B4-BE49-F238E27FC236}">
+                <a16:creationId xmlns:a16="http://schemas.microsoft.com/office/drawing/2014/main" id="{AC023D4E-B399-468D-82BF-2C311AB2CDA4}"/>
+              </a:ext>
+            </a:extLst>
+          </p:cNvPr>
+          <p:cNvSpPr>
+            <a:spLocks noGrp="1"/>
+          </p:cNvSpPr>
+          <p:nvPr>
+            <p:ph type="title"/>
+          </p:nvPr>
+        </p:nvSpPr>
+        <p:spPr>
+          <a:xfrm>
+            <a:off x="262708" y="2074362"/>
+            <a:ext cx="2752354" cy="2709275"/>
+          </a:xfrm>
+          <a:prstGeom prst="ellipse">
+            <a:avLst/>
+          </a:prstGeom>
+          <a:solidFill>
+            <a:srgbClr val="262626"/>
+          </a:solidFill>
+          <a:ln w="174625" cmpd="thinThick">
+            <a:solidFill>
+              <a:srgbClr val="262626"/>
+            </a:solidFill>
+          </a:ln>
+        </p:spPr>
+        <p:txBody>
+          <a:bodyPr vert="horz" lIns="91440" tIns="45720" rIns="91440" bIns="45720" rtlCol="0" anchor="ctr">
+            <a:normAutofit/>
+          </a:bodyPr>
+          <a:lstStyle/>
+          <a:p>
+            <a:pPr algn="ctr"/>
+            <a:r>
+              <a:rPr lang="en-US" sz="2400" kern="1200" dirty="0">
+                <a:solidFill>
+                  <a:srgbClr val="FFFFFF"/>
+                </a:solidFill>
+                <a:latin typeface="+mj-lt"/>
+                <a:ea typeface="+mj-ea"/>
+                <a:cs typeface="+mj-cs"/>
+              </a:rPr>
+              <a:t>Disassembler </a:t>
+            </a:r>
+            <a:r>
+              <a:rPr lang="en-US" sz="2400" kern="1200" dirty="0" err="1">
+                <a:solidFill>
+                  <a:srgbClr val="FFFFFF"/>
+                </a:solidFill>
+                <a:latin typeface="+mj-lt"/>
+                <a:ea typeface="+mj-ea"/>
+                <a:cs typeface="+mj-cs"/>
+              </a:rPr>
+              <a:t>Diagnoser</a:t>
+            </a:r>
+            <a:endParaRPr lang="en-US" sz="2400" kern="1200" dirty="0">
+              <a:solidFill>
+                <a:srgbClr val="FFFFFF"/>
+              </a:solidFill>
+              <a:latin typeface="+mj-lt"/>
+              <a:ea typeface="+mj-ea"/>
+              <a:cs typeface="+mj-cs"/>
+            </a:endParaRPr>
+          </a:p>
+        </p:txBody>
+      </p:sp>
+      <p:pic>
+        <p:nvPicPr>
+          <p:cNvPr id="5" name="Immagine 4">
+            <a:extLst>
+              <a:ext uri="{FF2B5EF4-FFF2-40B4-BE49-F238E27FC236}">
+                <a16:creationId xmlns:a16="http://schemas.microsoft.com/office/drawing/2014/main" id="{0F3162C8-31FD-429A-A8C9-D56CDAB1489D}"/>
+              </a:ext>
+            </a:extLst>
+          </p:cNvPr>
+          <p:cNvPicPr>
+            <a:picLocks noChangeAspect="1"/>
+          </p:cNvPicPr>
+          <p:nvPr/>
+        </p:nvPicPr>
+        <p:blipFill>
+          <a:blip r:embed="rId2"/>
+          <a:stretch>
+            <a:fillRect/>
+          </a:stretch>
+        </p:blipFill>
+        <p:spPr>
+          <a:xfrm>
+            <a:off x="3145691" y="205492"/>
+            <a:ext cx="5598236" cy="3980098"/>
+          </a:xfrm>
+          <a:prstGeom prst="rect">
+            <a:avLst/>
+          </a:prstGeom>
+        </p:spPr>
+      </p:pic>
+      <p:pic>
+        <p:nvPicPr>
+          <p:cNvPr id="7" name="Immagine 6">
+            <a:extLst>
+              <a:ext uri="{FF2B5EF4-FFF2-40B4-BE49-F238E27FC236}">
+                <a16:creationId xmlns:a16="http://schemas.microsoft.com/office/drawing/2014/main" id="{C54FDD28-AADB-40F0-AAA4-6ECFDF0C1DB7}"/>
+              </a:ext>
+            </a:extLst>
+          </p:cNvPr>
+          <p:cNvPicPr>
+            <a:picLocks noChangeAspect="1"/>
+          </p:cNvPicPr>
+          <p:nvPr/>
+        </p:nvPicPr>
+        <p:blipFill>
+          <a:blip r:embed="rId3"/>
+          <a:stretch>
+            <a:fillRect/>
+          </a:stretch>
+        </p:blipFill>
+        <p:spPr>
+          <a:xfrm>
+            <a:off x="8495633" y="205492"/>
+            <a:ext cx="4660332" cy="3980098"/>
+          </a:xfrm>
+          <a:prstGeom prst="rect">
+            <a:avLst/>
+          </a:prstGeom>
+        </p:spPr>
+      </p:pic>
+      <p:pic>
+        <p:nvPicPr>
+          <p:cNvPr id="8" name="Immagine 7">
+            <a:extLst>
+              <a:ext uri="{FF2B5EF4-FFF2-40B4-BE49-F238E27FC236}">
+                <a16:creationId xmlns:a16="http://schemas.microsoft.com/office/drawing/2014/main" id="{D18F55C4-1AE1-4D04-A3EB-C472927FC99A}"/>
+              </a:ext>
+            </a:extLst>
+          </p:cNvPr>
+          <p:cNvPicPr>
+            <a:picLocks noChangeAspect="1"/>
+          </p:cNvPicPr>
+          <p:nvPr/>
+        </p:nvPicPr>
+        <p:blipFill>
+          <a:blip r:embed="rId4"/>
+          <a:stretch>
+            <a:fillRect/>
+          </a:stretch>
+        </p:blipFill>
+        <p:spPr>
+          <a:xfrm>
+            <a:off x="3145691" y="4293111"/>
+            <a:ext cx="4227566" cy="2835883"/>
+          </a:xfrm>
+          <a:prstGeom prst="rect">
+            <a:avLst/>
+          </a:prstGeom>
+        </p:spPr>
+      </p:pic>
+      <p:pic>
+        <p:nvPicPr>
+          <p:cNvPr id="10" name="Immagine 9">
+            <a:extLst>
+              <a:ext uri="{FF2B5EF4-FFF2-40B4-BE49-F238E27FC236}">
+                <a16:creationId xmlns:a16="http://schemas.microsoft.com/office/drawing/2014/main" id="{18AC3476-AD18-4962-81B8-0BE11CDFC26F}"/>
+              </a:ext>
+            </a:extLst>
+          </p:cNvPr>
+          <p:cNvPicPr>
+            <a:picLocks noChangeAspect="1"/>
+          </p:cNvPicPr>
+          <p:nvPr/>
+        </p:nvPicPr>
+        <p:blipFill>
+          <a:blip r:embed="rId5"/>
+          <a:stretch>
+            <a:fillRect/>
+          </a:stretch>
+        </p:blipFill>
+        <p:spPr>
+          <a:xfrm>
+            <a:off x="7373257" y="4185590"/>
+            <a:ext cx="5162301" cy="6561938"/>
+          </a:xfrm>
+          <a:prstGeom prst="rect">
+            <a:avLst/>
+          </a:prstGeom>
+        </p:spPr>
+      </p:pic>
+    </p:spTree>
+    <p:extLst>
+      <p:ext uri="{BB962C8B-B14F-4D97-AF65-F5344CB8AC3E}">
+        <p14:creationId xmlns:p14="http://schemas.microsoft.com/office/powerpoint/2010/main" val="765110782"/>
+      </p:ext>
+    </p:extLst>
+  </p:cSld>
+  <p:clrMapOvr>
+    <a:masterClrMapping/>
+  </p:clrMapOvr>
+</p:sld>
+</file>
+
+<file path=ppt/slides/slide12.xml><?xml version="1.0" encoding="utf-8"?>
+<p:sld xmlns:a="http://schemas.openxmlformats.org/drawingml/2006/main" xmlns:r="http://schemas.openxmlformats.org/officeDocument/2006/relationships" xmlns:p="http://schemas.openxmlformats.org/presentationml/2006/main">
+  <p:cSld>
+    <p:bg>
+      <p:bgPr>
+        <a:solidFill>
+          <a:schemeClr val="bg1"/>
+        </a:solidFill>
+        <a:effectLst/>
+      </p:bgPr>
+    </p:bg>
+    <p:spTree>
+      <p:nvGrpSpPr>
+        <p:cNvPr id="1" name=""/>
+        <p:cNvGrpSpPr/>
+        <p:nvPr/>
+      </p:nvGrpSpPr>
+      <p:grpSpPr>
+        <a:xfrm>
+          <a:off x="0" y="0"/>
+          <a:ext cx="0" cy="0"/>
+          <a:chOff x="0" y="0"/>
+          <a:chExt cx="0" cy="0"/>
+        </a:xfrm>
+      </p:grpSpPr>
+      <p:sp>
+        <p:nvSpPr>
+          <p:cNvPr id="9" name="Rectangle 8">
+            <a:extLst>
+              <a:ext uri="{FF2B5EF4-FFF2-40B4-BE49-F238E27FC236}">
+                <a16:creationId xmlns:a16="http://schemas.microsoft.com/office/drawing/2014/main" id="{6753252F-4873-4F63-801D-CC719279A7D5}"/>
+              </a:ext>
+              <a:ext uri="{C183D7F6-B498-43B3-948B-1728B52AA6E4}">
+                <adec:decorative xmlns:adec="http://schemas.microsoft.com/office/drawing/2017/decorative" val="1"/>
+              </a:ext>
+            </a:extLst>
+          </p:cNvPr>
+          <p:cNvSpPr>
+            <a:spLocks noGrp="1" noRot="1" noChangeAspect="1" noMove="1" noResize="1" noEditPoints="1" noAdjustHandles="1" noChangeArrowheads="1" noChangeShapeType="1" noTextEdit="1"/>
+          </p:cNvSpPr>
+          <p:nvPr>
+            <p:extLst>
+              <p:ext uri="{386F3935-93C4-4BCD-93E2-E3B085C9AB24}">
+                <p16:designElem xmlns:p16="http://schemas.microsoft.com/office/powerpoint/2015/main" val="1"/>
+              </p:ext>
+            </p:extLst>
+          </p:nvPr>
+        </p:nvSpPr>
+        <p:spPr>
+          <a:xfrm>
+            <a:off x="0" y="0"/>
+            <a:ext cx="12192000" cy="6858000"/>
+          </a:xfrm>
+          <a:prstGeom prst="rect">
+            <a:avLst/>
+          </a:prstGeom>
+          <a:solidFill>
+            <a:srgbClr val="FFFFFF"/>
+          </a:solidFill>
+          <a:ln>
+            <a:noFill/>
+          </a:ln>
+        </p:spPr>
+        <p:style>
+          <a:lnRef idx="2">
+            <a:schemeClr val="accent1">
+              <a:shade val="50000"/>
+            </a:schemeClr>
+          </a:lnRef>
+          <a:fillRef idx="1">
+            <a:schemeClr val="accent1"/>
+          </a:fillRef>
+          <a:effectRef idx="0">
+            <a:schemeClr val="accent1"/>
+          </a:effectRef>
+          <a:fontRef idx="minor">
+            <a:schemeClr val="lt1"/>
+          </a:fontRef>
+        </p:style>
+        <p:txBody>
+          <a:bodyPr rtlCol="0" anchor="ctr"/>
+          <a:lstStyle/>
+          <a:p>
+            <a:pPr algn="ctr"/>
+            <a:endParaRPr lang="en-US"/>
+          </a:p>
+        </p:txBody>
+      </p:sp>
+      <p:sp>
+        <p:nvSpPr>
+          <p:cNvPr id="11" name="Rectangle 10">
+            <a:extLst>
+              <a:ext uri="{FF2B5EF4-FFF2-40B4-BE49-F238E27FC236}">
+                <a16:creationId xmlns:a16="http://schemas.microsoft.com/office/drawing/2014/main" id="{047C8CCB-F95D-4249-92DD-651249D3535A}"/>
+              </a:ext>
+              <a:ext uri="{C183D7F6-B498-43B3-948B-1728B52AA6E4}">
+                <adec:decorative xmlns:adec="http://schemas.microsoft.com/office/drawing/2017/decorative" val="1"/>
+              </a:ext>
+            </a:extLst>
+          </p:cNvPr>
+          <p:cNvSpPr>
+            <a:spLocks noGrp="1" noRot="1" noChangeAspect="1" noMove="1" noResize="1" noEditPoints="1" noAdjustHandles="1" noChangeArrowheads="1" noChangeShapeType="1" noTextEdit="1"/>
+          </p:cNvSpPr>
+          <p:nvPr>
+            <p:extLst>
+              <p:ext uri="{386F3935-93C4-4BCD-93E2-E3B085C9AB24}">
+                <p16:designElem xmlns:p16="http://schemas.microsoft.com/office/powerpoint/2015/main" val="1"/>
+              </p:ext>
+            </p:extLst>
+          </p:nvPr>
+        </p:nvSpPr>
+        <p:spPr>
+          <a:xfrm>
+            <a:off x="0" y="0"/>
+            <a:ext cx="2013557" cy="6858000"/>
+          </a:xfrm>
+          <a:prstGeom prst="rect">
+            <a:avLst/>
+          </a:prstGeom>
+          <a:solidFill>
+            <a:srgbClr val="465A5E"/>
+          </a:solidFill>
+          <a:ln>
+            <a:noFill/>
+          </a:ln>
+        </p:spPr>
+        <p:style>
+          <a:lnRef idx="2">
+            <a:schemeClr val="accent1">
+              <a:shade val="50000"/>
+            </a:schemeClr>
+          </a:lnRef>
+          <a:fillRef idx="1">
+            <a:schemeClr val="accent1"/>
+          </a:fillRef>
+          <a:effectRef idx="0">
+            <a:schemeClr val="accent1"/>
+          </a:effectRef>
+          <a:fontRef idx="minor">
+            <a:schemeClr val="lt1"/>
+          </a:fontRef>
+        </p:style>
+        <p:txBody>
+          <a:bodyPr rtlCol="0" anchor="ctr"/>
+          <a:lstStyle/>
+          <a:p>
+            <a:pPr algn="ctr"/>
+            <a:endParaRPr lang="en-US"/>
+          </a:p>
+        </p:txBody>
+      </p:sp>
+      <p:sp>
+        <p:nvSpPr>
+          <p:cNvPr id="2" name="Titolo 1">
+            <a:extLst>
+              <a:ext uri="{FF2B5EF4-FFF2-40B4-BE49-F238E27FC236}">
+                <a16:creationId xmlns:a16="http://schemas.microsoft.com/office/drawing/2014/main" id="{AC023D4E-B399-468D-82BF-2C311AB2CDA4}"/>
+              </a:ext>
+            </a:extLst>
+          </p:cNvPr>
+          <p:cNvSpPr>
+            <a:spLocks noGrp="1"/>
+          </p:cNvSpPr>
+          <p:nvPr>
+            <p:ph type="title"/>
+          </p:nvPr>
+        </p:nvSpPr>
+        <p:spPr>
+          <a:xfrm>
+            <a:off x="262708" y="2074362"/>
+            <a:ext cx="2752354" cy="2709275"/>
+          </a:xfrm>
+          <a:prstGeom prst="ellipse">
+            <a:avLst/>
+          </a:prstGeom>
+          <a:solidFill>
+            <a:srgbClr val="262626"/>
+          </a:solidFill>
+          <a:ln w="174625" cmpd="thinThick">
+            <a:solidFill>
+              <a:srgbClr val="262626"/>
+            </a:solidFill>
+          </a:ln>
+        </p:spPr>
+        <p:txBody>
+          <a:bodyPr vert="horz" lIns="91440" tIns="45720" rIns="91440" bIns="45720" rtlCol="0" anchor="ctr">
+            <a:normAutofit/>
+          </a:bodyPr>
+          <a:lstStyle/>
+          <a:p>
+            <a:pPr algn="ctr"/>
+            <a:r>
+              <a:rPr lang="en-US" sz="2400" kern="1200" dirty="0">
+                <a:solidFill>
+                  <a:srgbClr val="FFFFFF"/>
+                </a:solidFill>
+                <a:latin typeface="+mj-lt"/>
+                <a:ea typeface="+mj-ea"/>
+                <a:cs typeface="+mj-cs"/>
+              </a:rPr>
+              <a:t>Hardware Counters</a:t>
+            </a:r>
+          </a:p>
+        </p:txBody>
+      </p:sp>
+      <p:pic>
+        <p:nvPicPr>
+          <p:cNvPr id="3" name="Immagine 2">
+            <a:extLst>
+              <a:ext uri="{FF2B5EF4-FFF2-40B4-BE49-F238E27FC236}">
+                <a16:creationId xmlns:a16="http://schemas.microsoft.com/office/drawing/2014/main" id="{BCEAA1DF-288D-4F3E-B02A-37920D74D656}"/>
+              </a:ext>
+            </a:extLst>
+          </p:cNvPr>
+          <p:cNvPicPr>
+            <a:picLocks noChangeAspect="1"/>
+          </p:cNvPicPr>
+          <p:nvPr/>
+        </p:nvPicPr>
+        <p:blipFill>
+          <a:blip r:embed="rId2"/>
+          <a:stretch>
+            <a:fillRect/>
+          </a:stretch>
+        </p:blipFill>
+        <p:spPr>
+          <a:xfrm>
+            <a:off x="3277770" y="173859"/>
+            <a:ext cx="7520859" cy="4968249"/>
+          </a:xfrm>
+          <a:prstGeom prst="rect">
+            <a:avLst/>
+          </a:prstGeom>
+        </p:spPr>
+      </p:pic>
+      <p:pic>
+        <p:nvPicPr>
+          <p:cNvPr id="6" name="Immagine 5">
+            <a:extLst>
+              <a:ext uri="{FF2B5EF4-FFF2-40B4-BE49-F238E27FC236}">
+                <a16:creationId xmlns:a16="http://schemas.microsoft.com/office/drawing/2014/main" id="{74DA3E3D-9428-4528-82AC-0D1AED496B3A}"/>
+              </a:ext>
+            </a:extLst>
+          </p:cNvPr>
+          <p:cNvPicPr>
+            <a:picLocks noChangeAspect="1"/>
+          </p:cNvPicPr>
+          <p:nvPr/>
+        </p:nvPicPr>
+        <p:blipFill>
+          <a:blip r:embed="rId3"/>
+          <a:stretch>
+            <a:fillRect/>
+          </a:stretch>
+        </p:blipFill>
+        <p:spPr>
+          <a:xfrm>
+            <a:off x="7537677" y="3772276"/>
+            <a:ext cx="4086795" cy="2810267"/>
+          </a:xfrm>
+          <a:prstGeom prst="rect">
+            <a:avLst/>
+          </a:prstGeom>
+        </p:spPr>
+      </p:pic>
+      <p:pic>
+        <p:nvPicPr>
+          <p:cNvPr id="4" name="Immagine 3">
+            <a:extLst>
+              <a:ext uri="{FF2B5EF4-FFF2-40B4-BE49-F238E27FC236}">
+                <a16:creationId xmlns:a16="http://schemas.microsoft.com/office/drawing/2014/main" id="{D1B48D4E-457D-4B9B-89F3-6CCB1E4D5D38}"/>
+              </a:ext>
+            </a:extLst>
+          </p:cNvPr>
+          <p:cNvPicPr>
+            <a:picLocks noChangeAspect="1"/>
+          </p:cNvPicPr>
+          <p:nvPr/>
+        </p:nvPicPr>
+        <p:blipFill>
+          <a:blip r:embed="rId4"/>
+          <a:stretch>
+            <a:fillRect/>
+          </a:stretch>
+        </p:blipFill>
+        <p:spPr>
+          <a:xfrm>
+            <a:off x="7579574" y="1949989"/>
+            <a:ext cx="4086795" cy="2029108"/>
+          </a:xfrm>
+          <a:prstGeom prst="rect">
+            <a:avLst/>
+          </a:prstGeom>
+        </p:spPr>
+      </p:pic>
+    </p:spTree>
+    <p:extLst>
+      <p:ext uri="{BB962C8B-B14F-4D97-AF65-F5344CB8AC3E}">
+        <p14:creationId xmlns:p14="http://schemas.microsoft.com/office/powerpoint/2010/main" val="403986818"/>
+      </p:ext>
+    </p:extLst>
+  </p:cSld>
+  <p:clrMapOvr>
+    <a:masterClrMapping/>
+  </p:clrMapOvr>
+</p:sld>
+</file>
+
+<file path=ppt/slides/slide13.xml><?xml version="1.0" encoding="utf-8"?>
+<p:sld xmlns:a="http://schemas.openxmlformats.org/drawingml/2006/main" xmlns:r="http://schemas.openxmlformats.org/officeDocument/2006/relationships" xmlns:p="http://schemas.openxmlformats.org/presentationml/2006/main">
+  <p:cSld>
+    <p:bg>
+      <p:bgPr>
+        <a:solidFill>
+          <a:schemeClr val="bg1"/>
+        </a:solidFill>
+        <a:effectLst/>
+      </p:bgPr>
+    </p:bg>
+    <p:spTree>
+      <p:nvGrpSpPr>
+        <p:cNvPr id="1" name=""/>
+        <p:cNvGrpSpPr/>
+        <p:nvPr/>
+      </p:nvGrpSpPr>
+      <p:grpSpPr>
+        <a:xfrm>
+          <a:off x="0" y="0"/>
+          <a:ext cx="0" cy="0"/>
+          <a:chOff x="0" y="0"/>
+          <a:chExt cx="0" cy="0"/>
+        </a:xfrm>
+      </p:grpSpPr>
+      <p:sp>
+        <p:nvSpPr>
+          <p:cNvPr id="9" name="Rectangle 8">
+            <a:extLst>
+              <a:ext uri="{FF2B5EF4-FFF2-40B4-BE49-F238E27FC236}">
+                <a16:creationId xmlns:a16="http://schemas.microsoft.com/office/drawing/2014/main" id="{6753252F-4873-4F63-801D-CC719279A7D5}"/>
+              </a:ext>
+              <a:ext uri="{C183D7F6-B498-43B3-948B-1728B52AA6E4}">
+                <adec:decorative xmlns:adec="http://schemas.microsoft.com/office/drawing/2017/decorative" val="1"/>
+              </a:ext>
+            </a:extLst>
+          </p:cNvPr>
+          <p:cNvSpPr>
+            <a:spLocks noGrp="1" noRot="1" noChangeAspect="1" noMove="1" noResize="1" noEditPoints="1" noAdjustHandles="1" noChangeArrowheads="1" noChangeShapeType="1" noTextEdit="1"/>
+          </p:cNvSpPr>
+          <p:nvPr>
+            <p:extLst>
+              <p:ext uri="{386F3935-93C4-4BCD-93E2-E3B085C9AB24}">
+                <p16:designElem xmlns:p16="http://schemas.microsoft.com/office/powerpoint/2015/main" val="1"/>
+              </p:ext>
+            </p:extLst>
+          </p:nvPr>
+        </p:nvSpPr>
+        <p:spPr>
+          <a:xfrm>
+            <a:off x="0" y="0"/>
+            <a:ext cx="12192000" cy="6858000"/>
+          </a:xfrm>
+          <a:prstGeom prst="rect">
+            <a:avLst/>
+          </a:prstGeom>
+          <a:solidFill>
+            <a:srgbClr val="FFFFFF"/>
+          </a:solidFill>
+          <a:ln>
+            <a:noFill/>
+          </a:ln>
+        </p:spPr>
+        <p:style>
+          <a:lnRef idx="2">
+            <a:schemeClr val="accent1">
+              <a:shade val="50000"/>
+            </a:schemeClr>
+          </a:lnRef>
+          <a:fillRef idx="1">
+            <a:schemeClr val="accent1"/>
+          </a:fillRef>
+          <a:effectRef idx="0">
+            <a:schemeClr val="accent1"/>
+          </a:effectRef>
+          <a:fontRef idx="minor">
+            <a:schemeClr val="lt1"/>
+          </a:fontRef>
+        </p:style>
+        <p:txBody>
+          <a:bodyPr rtlCol="0" anchor="ctr"/>
+          <a:lstStyle/>
+          <a:p>
+            <a:pPr algn="ctr"/>
+            <a:endParaRPr lang="en-US"/>
+          </a:p>
+        </p:txBody>
+      </p:sp>
+      <p:sp>
+        <p:nvSpPr>
+          <p:cNvPr id="11" name="Rectangle 10">
+            <a:extLst>
+              <a:ext uri="{FF2B5EF4-FFF2-40B4-BE49-F238E27FC236}">
+                <a16:creationId xmlns:a16="http://schemas.microsoft.com/office/drawing/2014/main" id="{047C8CCB-F95D-4249-92DD-651249D3535A}"/>
+              </a:ext>
+              <a:ext uri="{C183D7F6-B498-43B3-948B-1728B52AA6E4}">
+                <adec:decorative xmlns:adec="http://schemas.microsoft.com/office/drawing/2017/decorative" val="1"/>
+              </a:ext>
+            </a:extLst>
+          </p:cNvPr>
+          <p:cNvSpPr>
+            <a:spLocks noGrp="1" noRot="1" noChangeAspect="1" noMove="1" noResize="1" noEditPoints="1" noAdjustHandles="1" noChangeArrowheads="1" noChangeShapeType="1" noTextEdit="1"/>
+          </p:cNvSpPr>
+          <p:nvPr>
+            <p:extLst>
+              <p:ext uri="{386F3935-93C4-4BCD-93E2-E3B085C9AB24}">
+                <p16:designElem xmlns:p16="http://schemas.microsoft.com/office/powerpoint/2015/main" val="1"/>
+              </p:ext>
+            </p:extLst>
+          </p:nvPr>
+        </p:nvSpPr>
+        <p:spPr>
+          <a:xfrm>
+            <a:off x="0" y="0"/>
+            <a:ext cx="2013557" cy="6858000"/>
+          </a:xfrm>
+          <a:prstGeom prst="rect">
+            <a:avLst/>
+          </a:prstGeom>
+          <a:solidFill>
+            <a:srgbClr val="465A5E"/>
+          </a:solidFill>
+          <a:ln>
+            <a:noFill/>
+          </a:ln>
+        </p:spPr>
+        <p:style>
+          <a:lnRef idx="2">
+            <a:schemeClr val="accent1">
+              <a:shade val="50000"/>
+            </a:schemeClr>
+          </a:lnRef>
+          <a:fillRef idx="1">
+            <a:schemeClr val="accent1"/>
+          </a:fillRef>
+          <a:effectRef idx="0">
+            <a:schemeClr val="accent1"/>
+          </a:effectRef>
+          <a:fontRef idx="minor">
+            <a:schemeClr val="lt1"/>
+          </a:fontRef>
+        </p:style>
+        <p:txBody>
+          <a:bodyPr rtlCol="0" anchor="ctr"/>
+          <a:lstStyle/>
+          <a:p>
+            <a:pPr algn="ctr"/>
+            <a:endParaRPr lang="en-US"/>
+          </a:p>
+        </p:txBody>
+      </p:sp>
+      <p:sp>
+        <p:nvSpPr>
+          <p:cNvPr id="2" name="Titolo 1">
+            <a:extLst>
+              <a:ext uri="{FF2B5EF4-FFF2-40B4-BE49-F238E27FC236}">
+                <a16:creationId xmlns:a16="http://schemas.microsoft.com/office/drawing/2014/main" id="{AC023D4E-B399-468D-82BF-2C311AB2CDA4}"/>
+              </a:ext>
+            </a:extLst>
+          </p:cNvPr>
+          <p:cNvSpPr>
+            <a:spLocks noGrp="1"/>
+          </p:cNvSpPr>
+          <p:nvPr>
+            <p:ph type="title"/>
+          </p:nvPr>
+        </p:nvSpPr>
+        <p:spPr>
+          <a:xfrm>
+            <a:off x="262708" y="2074362"/>
+            <a:ext cx="2752354" cy="2709275"/>
+          </a:xfrm>
+          <a:prstGeom prst="ellipse">
+            <a:avLst/>
+          </a:prstGeom>
+          <a:solidFill>
+            <a:srgbClr val="262626"/>
+          </a:solidFill>
+          <a:ln w="174625" cmpd="thinThick">
+            <a:solidFill>
+              <a:srgbClr val="262626"/>
+            </a:solidFill>
+          </a:ln>
+        </p:spPr>
+        <p:txBody>
+          <a:bodyPr vert="horz" lIns="91440" tIns="45720" rIns="91440" bIns="45720" rtlCol="0" anchor="ctr">
+            <a:normAutofit/>
+          </a:bodyPr>
+          <a:lstStyle/>
+          <a:p>
+            <a:pPr algn="ctr"/>
+            <a:r>
+              <a:rPr lang="en-US" sz="2400" kern="1200" dirty="0">
+                <a:solidFill>
+                  <a:srgbClr val="FFFFFF"/>
+                </a:solidFill>
+                <a:latin typeface="+mj-lt"/>
+                <a:ea typeface="+mj-ea"/>
+                <a:cs typeface="+mj-cs"/>
+              </a:rPr>
+              <a:t>Automated in pipeline</a:t>
+            </a:r>
+          </a:p>
+        </p:txBody>
+      </p:sp>
+      <p:pic>
+        <p:nvPicPr>
+          <p:cNvPr id="4" name="Immagine 3">
+            <a:extLst>
+              <a:ext uri="{FF2B5EF4-FFF2-40B4-BE49-F238E27FC236}">
+                <a16:creationId xmlns:a16="http://schemas.microsoft.com/office/drawing/2014/main" id="{0390DC9A-5E88-462D-B153-7D19C6BEAF01}"/>
+              </a:ext>
+            </a:extLst>
+          </p:cNvPr>
+          <p:cNvPicPr>
+            <a:picLocks noChangeAspect="1"/>
+          </p:cNvPicPr>
+          <p:nvPr/>
+        </p:nvPicPr>
+        <p:blipFill>
+          <a:blip r:embed="rId2"/>
+          <a:stretch>
+            <a:fillRect/>
+          </a:stretch>
+        </p:blipFill>
+        <p:spPr>
+          <a:xfrm>
+            <a:off x="4354286" y="147701"/>
+            <a:ext cx="8364529" cy="4702751"/>
+          </a:xfrm>
+          <a:prstGeom prst="rect">
+            <a:avLst/>
+          </a:prstGeom>
+        </p:spPr>
+      </p:pic>
+      <p:sp>
+        <p:nvSpPr>
+          <p:cNvPr id="5" name="Rettangolo 4">
+            <a:extLst>
+              <a:ext uri="{FF2B5EF4-FFF2-40B4-BE49-F238E27FC236}">
+                <a16:creationId xmlns:a16="http://schemas.microsoft.com/office/drawing/2014/main" id="{4F1CD652-56A1-4D63-84D8-99466ADFDB83}"/>
+              </a:ext>
+            </a:extLst>
+          </p:cNvPr>
+          <p:cNvSpPr/>
+          <p:nvPr/>
+        </p:nvSpPr>
+        <p:spPr>
+          <a:xfrm>
+            <a:off x="2543625" y="6340967"/>
+            <a:ext cx="9114971" cy="369332"/>
+          </a:xfrm>
+          <a:prstGeom prst="rect">
+            <a:avLst/>
+          </a:prstGeom>
+        </p:spPr>
+        <p:txBody>
+          <a:bodyPr wrap="square">
+            <a:spAutoFit/>
+          </a:bodyPr>
+          <a:lstStyle/>
+          <a:p>
+            <a:r>
+              <a:rPr lang="it-IT" dirty="0">
+                <a:hlinkClick r:id="rId3"/>
+              </a:rPr>
+              <a:t>https://alm.deltatre.it/tfs/D3Alm/Enterprise-Playground/_build/results?buildId=340887</a:t>
+            </a:r>
+            <a:endParaRPr lang="it-IT" dirty="0"/>
+          </a:p>
+        </p:txBody>
+      </p:sp>
+      <p:pic>
+        <p:nvPicPr>
+          <p:cNvPr id="7" name="Immagine 6">
+            <a:extLst>
+              <a:ext uri="{FF2B5EF4-FFF2-40B4-BE49-F238E27FC236}">
+                <a16:creationId xmlns:a16="http://schemas.microsoft.com/office/drawing/2014/main" id="{8B610F6D-294B-46E8-B548-CD6E26D78092}"/>
+              </a:ext>
+            </a:extLst>
+          </p:cNvPr>
+          <p:cNvPicPr>
+            <a:picLocks noChangeAspect="1"/>
+          </p:cNvPicPr>
+          <p:nvPr/>
+        </p:nvPicPr>
+        <p:blipFill>
+          <a:blip r:embed="rId4"/>
+          <a:stretch>
+            <a:fillRect/>
+          </a:stretch>
+        </p:blipFill>
+        <p:spPr>
+          <a:xfrm>
+            <a:off x="2543624" y="5221857"/>
+            <a:ext cx="10947785" cy="729000"/>
+          </a:xfrm>
+          <a:prstGeom prst="rect">
+            <a:avLst/>
+          </a:prstGeom>
+        </p:spPr>
+      </p:pic>
+    </p:spTree>
+    <p:extLst>
+      <p:ext uri="{BB962C8B-B14F-4D97-AF65-F5344CB8AC3E}">
+        <p14:creationId xmlns:p14="http://schemas.microsoft.com/office/powerpoint/2010/main" val="496828496"/>
+      </p:ext>
+    </p:extLst>
+  </p:cSld>
+  <p:clrMapOvr>
+    <a:masterClrMapping/>
+  </p:clrMapOvr>
+</p:sld>
+</file>
+
+<file path=ppt/slides/slide14.xml><?xml version="1.0" encoding="utf-8"?>
+<p:sld xmlns:a="http://schemas.openxmlformats.org/drawingml/2006/main" xmlns:r="http://schemas.openxmlformats.org/officeDocument/2006/relationships" xmlns:p="http://schemas.openxmlformats.org/presentationml/2006/main">
+  <p:cSld>
+    <p:bg>
+      <p:bgPr>
+        <a:solidFill>
+          <a:schemeClr val="bg1"/>
+        </a:solidFill>
+        <a:effectLst/>
+      </p:bgPr>
+    </p:bg>
+    <p:spTree>
+      <p:nvGrpSpPr>
+        <p:cNvPr id="1" name=""/>
+        <p:cNvGrpSpPr/>
+        <p:nvPr/>
+      </p:nvGrpSpPr>
+      <p:grpSpPr>
+        <a:xfrm>
+          <a:off x="0" y="0"/>
+          <a:ext cx="0" cy="0"/>
+          <a:chOff x="0" y="0"/>
+          <a:chExt cx="0" cy="0"/>
+        </a:xfrm>
+      </p:grpSpPr>
+      <p:sp>
+        <p:nvSpPr>
+          <p:cNvPr id="9" name="Rectangle 8">
+            <a:extLst>
+              <a:ext uri="{FF2B5EF4-FFF2-40B4-BE49-F238E27FC236}">
+                <a16:creationId xmlns:a16="http://schemas.microsoft.com/office/drawing/2014/main" id="{6753252F-4873-4F63-801D-CC719279A7D5}"/>
+              </a:ext>
+              <a:ext uri="{C183D7F6-B498-43B3-948B-1728B52AA6E4}">
+                <adec:decorative xmlns:adec="http://schemas.microsoft.com/office/drawing/2017/decorative" val="1"/>
+              </a:ext>
+            </a:extLst>
+          </p:cNvPr>
+          <p:cNvSpPr>
+            <a:spLocks noGrp="1" noRot="1" noChangeAspect="1" noMove="1" noResize="1" noEditPoints="1" noAdjustHandles="1" noChangeArrowheads="1" noChangeShapeType="1" noTextEdit="1"/>
+          </p:cNvSpPr>
+          <p:nvPr>
+            <p:extLst>
+              <p:ext uri="{386F3935-93C4-4BCD-93E2-E3B085C9AB24}">
+                <p16:designElem xmlns:p16="http://schemas.microsoft.com/office/powerpoint/2015/main" val="1"/>
+              </p:ext>
+            </p:extLst>
+          </p:nvPr>
+        </p:nvSpPr>
+        <p:spPr>
+          <a:xfrm>
+            <a:off x="0" y="0"/>
+            <a:ext cx="12192000" cy="6858000"/>
+          </a:xfrm>
+          <a:prstGeom prst="rect">
+            <a:avLst/>
+          </a:prstGeom>
+          <a:solidFill>
+            <a:srgbClr val="FFFFFF"/>
+          </a:solidFill>
+          <a:ln>
+            <a:noFill/>
+          </a:ln>
+        </p:spPr>
+        <p:style>
+          <a:lnRef idx="2">
+            <a:schemeClr val="accent1">
+              <a:shade val="50000"/>
+            </a:schemeClr>
+          </a:lnRef>
+          <a:fillRef idx="1">
+            <a:schemeClr val="accent1"/>
+          </a:fillRef>
+          <a:effectRef idx="0">
+            <a:schemeClr val="accent1"/>
+          </a:effectRef>
+          <a:fontRef idx="minor">
+            <a:schemeClr val="lt1"/>
+          </a:fontRef>
+        </p:style>
+        <p:txBody>
+          <a:bodyPr rtlCol="0" anchor="ctr"/>
+          <a:lstStyle/>
+          <a:p>
+            <a:pPr algn="ctr"/>
+            <a:endParaRPr lang="en-US"/>
+          </a:p>
+        </p:txBody>
+      </p:sp>
+      <p:sp>
+        <p:nvSpPr>
+          <p:cNvPr id="11" name="Rectangle 10">
+            <a:extLst>
+              <a:ext uri="{FF2B5EF4-FFF2-40B4-BE49-F238E27FC236}">
+                <a16:creationId xmlns:a16="http://schemas.microsoft.com/office/drawing/2014/main" id="{047C8CCB-F95D-4249-92DD-651249D3535A}"/>
+              </a:ext>
+              <a:ext uri="{C183D7F6-B498-43B3-948B-1728B52AA6E4}">
+                <adec:decorative xmlns:adec="http://schemas.microsoft.com/office/drawing/2017/decorative" val="1"/>
+              </a:ext>
+            </a:extLst>
+          </p:cNvPr>
+          <p:cNvSpPr>
+            <a:spLocks noGrp="1" noRot="1" noChangeAspect="1" noMove="1" noResize="1" noEditPoints="1" noAdjustHandles="1" noChangeArrowheads="1" noChangeShapeType="1" noTextEdit="1"/>
+          </p:cNvSpPr>
+          <p:nvPr>
+            <p:extLst>
+              <p:ext uri="{386F3935-93C4-4BCD-93E2-E3B085C9AB24}">
+                <p16:designElem xmlns:p16="http://schemas.microsoft.com/office/powerpoint/2015/main" val="1"/>
+              </p:ext>
+            </p:extLst>
+          </p:nvPr>
+        </p:nvSpPr>
+        <p:spPr>
+          <a:xfrm>
+            <a:off x="0" y="0"/>
+            <a:ext cx="2013557" cy="6858000"/>
+          </a:xfrm>
+          <a:prstGeom prst="rect">
+            <a:avLst/>
+          </a:prstGeom>
+          <a:solidFill>
+            <a:srgbClr val="465A5E"/>
+          </a:solidFill>
+          <a:ln>
+            <a:noFill/>
+          </a:ln>
+        </p:spPr>
+        <p:style>
+          <a:lnRef idx="2">
+            <a:schemeClr val="accent1">
+              <a:shade val="50000"/>
+            </a:schemeClr>
+          </a:lnRef>
+          <a:fillRef idx="1">
+            <a:schemeClr val="accent1"/>
+          </a:fillRef>
+          <a:effectRef idx="0">
+            <a:schemeClr val="accent1"/>
+          </a:effectRef>
+          <a:fontRef idx="minor">
+            <a:schemeClr val="lt1"/>
+          </a:fontRef>
+        </p:style>
+        <p:txBody>
+          <a:bodyPr rtlCol="0" anchor="ctr"/>
+          <a:lstStyle/>
+          <a:p>
+            <a:pPr algn="ctr"/>
+            <a:endParaRPr lang="en-US"/>
+          </a:p>
+        </p:txBody>
+      </p:sp>
+      <p:sp>
+        <p:nvSpPr>
+          <p:cNvPr id="2" name="Titolo 1">
+            <a:extLst>
+              <a:ext uri="{FF2B5EF4-FFF2-40B4-BE49-F238E27FC236}">
+                <a16:creationId xmlns:a16="http://schemas.microsoft.com/office/drawing/2014/main" id="{AC023D4E-B399-468D-82BF-2C311AB2CDA4}"/>
+              </a:ext>
+            </a:extLst>
+          </p:cNvPr>
+          <p:cNvSpPr>
+            <a:spLocks noGrp="1"/>
+          </p:cNvSpPr>
+          <p:nvPr>
+            <p:ph type="title"/>
+          </p:nvPr>
+        </p:nvSpPr>
+        <p:spPr>
+          <a:xfrm>
+            <a:off x="262708" y="2074362"/>
+            <a:ext cx="2752354" cy="2709275"/>
+          </a:xfrm>
+          <a:prstGeom prst="ellipse">
+            <a:avLst/>
+          </a:prstGeom>
+          <a:solidFill>
+            <a:srgbClr val="262626"/>
+          </a:solidFill>
+          <a:ln w="174625" cmpd="thinThick">
+            <a:solidFill>
+              <a:srgbClr val="262626"/>
+            </a:solidFill>
+          </a:ln>
+        </p:spPr>
+        <p:txBody>
+          <a:bodyPr vert="horz" lIns="91440" tIns="45720" rIns="91440" bIns="45720" rtlCol="0" anchor="ctr">
+            <a:normAutofit/>
+          </a:bodyPr>
+          <a:lstStyle/>
+          <a:p>
+            <a:pPr algn="ctr"/>
+            <a:r>
+              <a:rPr lang="en-US" sz="2400" kern="1200" dirty="0">
+                <a:solidFill>
+                  <a:srgbClr val="FFFFFF"/>
+                </a:solidFill>
+                <a:latin typeface="+mj-lt"/>
+                <a:ea typeface="+mj-ea"/>
+                <a:cs typeface="+mj-cs"/>
+              </a:rPr>
+              <a:t>Debug &amp; Assertions</a:t>
+            </a:r>
+          </a:p>
+        </p:txBody>
+      </p:sp>
+      <p:pic>
+        <p:nvPicPr>
+          <p:cNvPr id="3" name="Immagine 2">
+            <a:extLst>
+              <a:ext uri="{FF2B5EF4-FFF2-40B4-BE49-F238E27FC236}">
+                <a16:creationId xmlns:a16="http://schemas.microsoft.com/office/drawing/2014/main" id="{61B8D119-F12F-4C90-97C9-1C94C53BE845}"/>
+              </a:ext>
+            </a:extLst>
+          </p:cNvPr>
+          <p:cNvPicPr>
+            <a:picLocks noChangeAspect="1"/>
+          </p:cNvPicPr>
+          <p:nvPr/>
+        </p:nvPicPr>
+        <p:blipFill>
+          <a:blip r:embed="rId2"/>
+          <a:stretch>
+            <a:fillRect/>
+          </a:stretch>
+        </p:blipFill>
+        <p:spPr>
+          <a:xfrm>
+            <a:off x="3155426" y="147701"/>
+            <a:ext cx="9624052" cy="6045565"/>
+          </a:xfrm>
+          <a:prstGeom prst="rect">
+            <a:avLst/>
+          </a:prstGeom>
+        </p:spPr>
+      </p:pic>
+      <p:sp>
+        <p:nvSpPr>
+          <p:cNvPr id="6" name="Rettangolo 5">
+            <a:extLst>
+              <a:ext uri="{FF2B5EF4-FFF2-40B4-BE49-F238E27FC236}">
+                <a16:creationId xmlns:a16="http://schemas.microsoft.com/office/drawing/2014/main" id="{04A7B45C-4B2E-42FB-8F8F-EAF97E7D3483}"/>
+              </a:ext>
+            </a:extLst>
+          </p:cNvPr>
+          <p:cNvSpPr/>
+          <p:nvPr/>
+        </p:nvSpPr>
+        <p:spPr>
+          <a:xfrm>
+            <a:off x="2013557" y="6193266"/>
+            <a:ext cx="10212832" cy="646331"/>
+          </a:xfrm>
+          <a:prstGeom prst="rect">
+            <a:avLst/>
+          </a:prstGeom>
+        </p:spPr>
+        <p:txBody>
+          <a:bodyPr wrap="square">
+            <a:spAutoFit/>
+          </a:bodyPr>
+          <a:lstStyle/>
+          <a:p>
+            <a:r>
+              <a:rPr lang="it-IT" dirty="0">
+                <a:hlinkClick r:id="rId3"/>
+              </a:rPr>
+              <a:t>https://alm.deltatre.it/tfs/D3Alm/Enterprise-Playground/_git/dotbench-workshop-private?path=%2FConsoleApp%2FProgram.cs&amp;version=GBmaster&amp;fullScreen=true</a:t>
+            </a:r>
+            <a:endParaRPr lang="it-IT" dirty="0"/>
+          </a:p>
+        </p:txBody>
+      </p:sp>
+    </p:spTree>
+    <p:extLst>
+      <p:ext uri="{BB962C8B-B14F-4D97-AF65-F5344CB8AC3E}">
+        <p14:creationId xmlns:p14="http://schemas.microsoft.com/office/powerpoint/2010/main" val="1167969345"/>
+      </p:ext>
+    </p:extLst>
+  </p:cSld>
+  <p:clrMapOvr>
+    <a:masterClrMapping/>
+  </p:clrMapOvr>
+</p:sld>
+</file>
+
 <file path=ppt/slides/slide2.xml><?xml version="1.0" encoding="utf-8"?>
 <p:sld xmlns:a="http://schemas.openxmlformats.org/drawingml/2006/main" xmlns:r="http://schemas.openxmlformats.org/officeDocument/2006/relationships" xmlns:p="http://schemas.openxmlformats.org/presentationml/2006/main">
   <p:cSld>
@@ -3982,10 +5526,10 @@
       </p:sp>
       <p:pic>
         <p:nvPicPr>
-          <p:cNvPr id="4" name="Segnaposto contenuto 3">
-            <a:extLst>
-              <a:ext uri="{FF2B5EF4-FFF2-40B4-BE49-F238E27FC236}">
-                <a16:creationId xmlns:a16="http://schemas.microsoft.com/office/drawing/2014/main" id="{29BD79CA-6E04-44E3-9B91-518F9B9A0A82}"/>
+          <p:cNvPr id="3" name="Immagine 2">
+            <a:extLst>
+              <a:ext uri="{FF2B5EF4-FFF2-40B4-BE49-F238E27FC236}">
+                <a16:creationId xmlns:a16="http://schemas.microsoft.com/office/drawing/2014/main" id="{E8C8150A-9006-4A9F-A845-39BA13ABBE0B}"/>
               </a:ext>
             </a:extLst>
           </p:cNvPr>
@@ -4002,8 +5546,8 @@
         </p:blipFill>
         <p:spPr>
           <a:xfrm>
-            <a:off x="3574366" y="155452"/>
-            <a:ext cx="7188199" cy="1636697"/>
+            <a:off x="3699008" y="1166496"/>
+            <a:ext cx="7527010" cy="5543147"/>
           </a:xfrm>
           <a:prstGeom prst="rect">
             <a:avLst/>
@@ -4012,10 +5556,10 @@
       </p:pic>
       <p:pic>
         <p:nvPicPr>
-          <p:cNvPr id="5" name="Immagine 4">
-            <a:extLst>
-              <a:ext uri="{FF2B5EF4-FFF2-40B4-BE49-F238E27FC236}">
-                <a16:creationId xmlns:a16="http://schemas.microsoft.com/office/drawing/2014/main" id="{40565261-E778-4D4E-AEF8-5E0580FBCF3E}"/>
+          <p:cNvPr id="6" name="Immagine 5">
+            <a:extLst>
+              <a:ext uri="{FF2B5EF4-FFF2-40B4-BE49-F238E27FC236}">
+                <a16:creationId xmlns:a16="http://schemas.microsoft.com/office/drawing/2014/main" id="{5E31CCE9-D3B4-44A7-889C-2E2213446050}"/>
               </a:ext>
             </a:extLst>
           </p:cNvPr>
@@ -4032,8 +5576,8 @@
         </p:blipFill>
         <p:spPr>
           <a:xfrm>
-            <a:off x="3574366" y="1792149"/>
-            <a:ext cx="7335274" cy="6754168"/>
+            <a:off x="3699007" y="148356"/>
+            <a:ext cx="8534869" cy="1018139"/>
           </a:xfrm>
           <a:prstGeom prst="rect">
             <a:avLst/>
@@ -4080,10 +5624,10 @@
       </p:grpSpPr>
       <p:sp>
         <p:nvSpPr>
-          <p:cNvPr id="9" name="Rectangle 8">
-            <a:extLst>
-              <a:ext uri="{FF2B5EF4-FFF2-40B4-BE49-F238E27FC236}">
-                <a16:creationId xmlns:a16="http://schemas.microsoft.com/office/drawing/2014/main" id="{6753252F-4873-4F63-801D-CC719279A7D5}"/>
+          <p:cNvPr id="11" name="Rectangle 10">
+            <a:extLst>
+              <a:ext uri="{FF2B5EF4-FFF2-40B4-BE49-F238E27FC236}">
+                <a16:creationId xmlns:a16="http://schemas.microsoft.com/office/drawing/2014/main" id="{42A5316D-ED2F-4F89-B4B4-8D9240B1A348}"/>
               </a:ext>
               <a:ext uri="{C183D7F6-B498-43B3-948B-1728B52AA6E4}">
                 <adec:decorative xmlns:adec="http://schemas.microsoft.com/office/drawing/2017/decorative" val="1"/>
@@ -4104,13 +5648,13 @@
         <p:spPr>
           <a:xfrm>
             <a:off x="0" y="0"/>
-            <a:ext cx="12192000" cy="6858000"/>
+            <a:ext cx="2013557" cy="6858000"/>
           </a:xfrm>
           <a:prstGeom prst="rect">
             <a:avLst/>
           </a:prstGeom>
           <a:solidFill>
-            <a:srgbClr val="FFFFFF"/>
+            <a:srgbClr val="3F5559"/>
           </a:solidFill>
           <a:ln>
             <a:noFill/>
@@ -4136,71 +5680,37 @@
           <a:bodyPr rtlCol="0" anchor="ctr"/>
           <a:lstStyle/>
           <a:p>
-            <a:pPr algn="ctr"/>
-            <a:endParaRPr lang="en-US"/>
-          </a:p>
-        </p:txBody>
-      </p:sp>
-      <p:sp>
-        <p:nvSpPr>
-          <p:cNvPr id="11" name="Rectangle 10">
-            <a:extLst>
-              <a:ext uri="{FF2B5EF4-FFF2-40B4-BE49-F238E27FC236}">
-                <a16:creationId xmlns:a16="http://schemas.microsoft.com/office/drawing/2014/main" id="{047C8CCB-F95D-4249-92DD-651249D3535A}"/>
-              </a:ext>
-              <a:ext uri="{C183D7F6-B498-43B3-948B-1728B52AA6E4}">
-                <adec:decorative xmlns:adec="http://schemas.microsoft.com/office/drawing/2017/decorative" val="1"/>
-              </a:ext>
-            </a:extLst>
-          </p:cNvPr>
-          <p:cNvSpPr>
-            <a:spLocks noGrp="1" noRot="1" noChangeAspect="1" noMove="1" noResize="1" noEditPoints="1" noAdjustHandles="1" noChangeArrowheads="1" noChangeShapeType="1" noTextEdit="1"/>
-          </p:cNvSpPr>
-          <p:nvPr>
-            <p:extLst>
-              <p:ext uri="{386F3935-93C4-4BCD-93E2-E3B085C9AB24}">
-                <p16:designElem xmlns:p16="http://schemas.microsoft.com/office/powerpoint/2015/main" val="1"/>
-              </p:ext>
-            </p:extLst>
-          </p:nvPr>
-        </p:nvSpPr>
-        <p:spPr>
-          <a:xfrm>
-            <a:off x="0" y="0"/>
-            <a:ext cx="2013557" cy="6858000"/>
-          </a:xfrm>
-          <a:prstGeom prst="rect">
-            <a:avLst/>
-          </a:prstGeom>
-          <a:solidFill>
-            <a:srgbClr val="5D3E34"/>
-          </a:solidFill>
-          <a:ln>
-            <a:noFill/>
-          </a:ln>
-        </p:spPr>
-        <p:style>
-          <a:lnRef idx="2">
-            <a:schemeClr val="accent1">
-              <a:shade val="50000"/>
-            </a:schemeClr>
-          </a:lnRef>
-          <a:fillRef idx="1">
-            <a:schemeClr val="accent1"/>
-          </a:fillRef>
-          <a:effectRef idx="0">
-            <a:schemeClr val="accent1"/>
-          </a:effectRef>
-          <a:fontRef idx="minor">
-            <a:schemeClr val="lt1"/>
-          </a:fontRef>
-        </p:style>
-        <p:txBody>
-          <a:bodyPr rtlCol="0" anchor="ctr"/>
-          <a:lstStyle/>
-          <a:p>
-            <a:pPr algn="ctr"/>
-            <a:endParaRPr lang="en-US"/>
+            <a:pPr marL="0" marR="0" lvl="0" indent="0" algn="ctr" defTabSz="914400" rtl="0" eaLnBrk="1" fontAlgn="auto" latinLnBrk="0" hangingPunct="1">
+              <a:lnSpc>
+                <a:spcPct val="100000"/>
+              </a:lnSpc>
+              <a:spcBef>
+                <a:spcPts val="0"/>
+              </a:spcBef>
+              <a:spcAft>
+                <a:spcPts val="0"/>
+              </a:spcAft>
+              <a:buClrTx/>
+              <a:buSzTx/>
+              <a:buFontTx/>
+              <a:buNone/>
+              <a:tabLst/>
+              <a:defRPr/>
+            </a:pPr>
+            <a:endParaRPr kumimoji="0" lang="en-US" sz="1800" b="0" i="0" u="none" strike="noStrike" kern="1200" cap="none" spc="0" normalizeH="0" baseline="0" noProof="0">
+              <a:ln>
+                <a:noFill/>
+              </a:ln>
+              <a:solidFill>
+                <a:prstClr val="white"/>
+              </a:solidFill>
+              <a:effectLst/>
+              <a:uLnTx/>
+              <a:uFillTx/>
+              <a:latin typeface="Calibri" panose="020F0502020204030204"/>
+              <a:ea typeface="+mn-ea"/>
+              <a:cs typeface="+mn-cs"/>
+            </a:endParaRPr>
           </a:p>
         </p:txBody>
       </p:sp>
@@ -4209,7 +5719,7 @@
           <p:cNvPr id="2" name="Titolo 1">
             <a:extLst>
               <a:ext uri="{FF2B5EF4-FFF2-40B4-BE49-F238E27FC236}">
-                <a16:creationId xmlns:a16="http://schemas.microsoft.com/office/drawing/2014/main" id="{7515BCE8-FC0C-4D7D-BDD1-B38A979973CA}"/>
+                <a16:creationId xmlns:a16="http://schemas.microsoft.com/office/drawing/2014/main" id="{CF56AEB8-3411-415B-AAE0-363E14FBD4DA}"/>
               </a:ext>
             </a:extLst>
           </p:cNvPr>
@@ -4222,8 +5732,8 @@
         </p:nvSpPr>
         <p:spPr>
           <a:xfrm>
-            <a:off x="640080" y="2074363"/>
-            <a:ext cx="2752354" cy="2709275"/>
+            <a:off x="694510" y="1487272"/>
+            <a:ext cx="2743200" cy="2743200"/>
           </a:xfrm>
           <a:prstGeom prst="ellipse">
             <a:avLst/>
@@ -4238,49 +5748,36 @@
           </a:ln>
         </p:spPr>
         <p:txBody>
-          <a:bodyPr vert="horz" lIns="91440" tIns="45720" rIns="91440" bIns="45720" rtlCol="0" anchor="ctr">
+          <a:bodyPr>
             <a:normAutofit/>
           </a:bodyPr>
           <a:lstStyle/>
           <a:p>
             <a:pPr algn="ctr"/>
             <a:r>
-              <a:rPr lang="en-US" sz="2400" kern="1200" dirty="0" err="1">
+              <a:rPr lang="it-IT" sz="2600">
                 <a:solidFill>
                   <a:srgbClr val="FFFFFF"/>
                 </a:solidFill>
-                <a:latin typeface="+mj-lt"/>
-                <a:ea typeface="+mj-ea"/>
-                <a:cs typeface="+mj-cs"/>
               </a:rPr>
-              <a:t>RPlotExporter</a:t>
-            </a:r>
-            <a:endParaRPr lang="en-US" sz="2400" kern="1200" dirty="0">
-              <a:solidFill>
-                <a:srgbClr val="FFFFFF"/>
-              </a:solidFill>
-              <a:latin typeface="+mj-lt"/>
-              <a:ea typeface="+mj-ea"/>
-              <a:cs typeface="+mj-cs"/>
-            </a:endParaRPr>
+              <a:t>Run</a:t>
+            </a:r>
           </a:p>
         </p:txBody>
       </p:sp>
       <p:pic>
         <p:nvPicPr>
-          <p:cNvPr id="4" name="Segnaposto contenuto 3">
-            <a:extLst>
-              <a:ext uri="{FF2B5EF4-FFF2-40B4-BE49-F238E27FC236}">
-                <a16:creationId xmlns:a16="http://schemas.microsoft.com/office/drawing/2014/main" id="{F9B74869-0285-4FD2-A1C6-6ABFE056BC39}"/>
+          <p:cNvPr id="4" name="Immagine 3">
+            <a:extLst>
+              <a:ext uri="{FF2B5EF4-FFF2-40B4-BE49-F238E27FC236}">
+                <a16:creationId xmlns:a16="http://schemas.microsoft.com/office/drawing/2014/main" id="{968282BC-266C-48A4-B4C8-2AEE6FAE70DA}"/>
               </a:ext>
             </a:extLst>
           </p:cNvPr>
           <p:cNvPicPr>
-            <a:picLocks noGrp="1" noChangeAspect="1"/>
+            <a:picLocks noChangeAspect="1"/>
           </p:cNvPicPr>
-          <p:nvPr>
-            <p:ph idx="1"/>
-          </p:nvPr>
+          <p:nvPr/>
         </p:nvPicPr>
         <p:blipFill>
           <a:blip r:embed="rId2"/>
@@ -4290,20 +5787,175 @@
         </p:blipFill>
         <p:spPr>
           <a:xfrm>
-            <a:off x="4567086" y="3279756"/>
-            <a:ext cx="7188199" cy="3360483"/>
+            <a:off x="3766454" y="545389"/>
+            <a:ext cx="4659091" cy="589577"/>
           </a:xfrm>
           <a:prstGeom prst="rect">
             <a:avLst/>
           </a:prstGeom>
         </p:spPr>
       </p:pic>
+      <p:sp>
+        <p:nvSpPr>
+          <p:cNvPr id="5" name="CasellaDiTesto 4">
+            <a:extLst>
+              <a:ext uri="{FF2B5EF4-FFF2-40B4-BE49-F238E27FC236}">
+                <a16:creationId xmlns:a16="http://schemas.microsoft.com/office/drawing/2014/main" id="{BC5A2319-D6D7-4AAF-A280-22D8EACC660E}"/>
+              </a:ext>
+            </a:extLst>
+          </p:cNvPr>
+          <p:cNvSpPr txBox="1"/>
+          <p:nvPr/>
+        </p:nvSpPr>
+        <p:spPr>
+          <a:xfrm>
+            <a:off x="4107543" y="928914"/>
+            <a:ext cx="3294743" cy="2308324"/>
+          </a:xfrm>
+          <a:prstGeom prst="rect">
+            <a:avLst/>
+          </a:prstGeom>
+          <a:noFill/>
+        </p:spPr>
+        <p:txBody>
+          <a:bodyPr wrap="square" rtlCol="0">
+            <a:spAutoFit/>
+          </a:bodyPr>
+          <a:lstStyle/>
+          <a:p>
+            <a:pPr marL="285750" indent="-285750">
+              <a:buFontTx/>
+              <a:buChar char="-"/>
+            </a:pPr>
+            <a:r>
+              <a:rPr lang="it-IT" dirty="0" err="1"/>
+              <a:t>Boilerplate</a:t>
+            </a:r>
+            <a:endParaRPr lang="it-IT" dirty="0"/>
+          </a:p>
+          <a:p>
+            <a:pPr marL="285750" indent="-285750">
+              <a:buFontTx/>
+              <a:buChar char="-"/>
+            </a:pPr>
+            <a:r>
+              <a:rPr lang="it-IT" dirty="0" err="1"/>
+              <a:t>Several</a:t>
+            </a:r>
+            <a:r>
+              <a:rPr lang="it-IT" dirty="0"/>
+              <a:t> </a:t>
+            </a:r>
+            <a:r>
+              <a:rPr lang="it-IT" dirty="0" err="1"/>
+              <a:t>iterations</a:t>
+            </a:r>
+            <a:endParaRPr lang="it-IT" dirty="0"/>
+          </a:p>
+          <a:p>
+            <a:pPr marL="285750" indent="-285750">
+              <a:buFontTx/>
+              <a:buChar char="-"/>
+            </a:pPr>
+            <a:r>
+              <a:rPr lang="it-IT" dirty="0" err="1"/>
+              <a:t>Several</a:t>
+            </a:r>
+            <a:r>
+              <a:rPr lang="it-IT" dirty="0"/>
+              <a:t> </a:t>
+            </a:r>
+            <a:r>
+              <a:rPr lang="it-IT" dirty="0" err="1"/>
+              <a:t>invokations</a:t>
+            </a:r>
+            <a:endParaRPr lang="it-IT" dirty="0"/>
+          </a:p>
+          <a:p>
+            <a:pPr marL="285750" indent="-285750">
+              <a:buFontTx/>
+              <a:buChar char="-"/>
+            </a:pPr>
+            <a:r>
+              <a:rPr lang="it-IT" dirty="0" err="1"/>
+              <a:t>Several</a:t>
+            </a:r>
+            <a:r>
+              <a:rPr lang="it-IT" dirty="0"/>
+              <a:t> </a:t>
+            </a:r>
+            <a:r>
+              <a:rPr lang="it-IT" dirty="0" err="1"/>
+              <a:t>Warm</a:t>
+            </a:r>
+            <a:r>
+              <a:rPr lang="it-IT" dirty="0"/>
+              <a:t>-up</a:t>
+            </a:r>
+          </a:p>
+          <a:p>
+            <a:pPr marL="285750" indent="-285750">
+              <a:buFontTx/>
+              <a:buChar char="-"/>
+            </a:pPr>
+            <a:r>
+              <a:rPr lang="it-IT" dirty="0"/>
+              <a:t>Separate </a:t>
+            </a:r>
+            <a:r>
+              <a:rPr lang="it-IT" dirty="0" err="1"/>
+              <a:t>Process</a:t>
+            </a:r>
+            <a:endParaRPr lang="it-IT" dirty="0"/>
+          </a:p>
+          <a:p>
+            <a:pPr marL="285750" indent="-285750">
+              <a:buFontTx/>
+              <a:buChar char="-"/>
+            </a:pPr>
+            <a:r>
+              <a:rPr lang="it-IT" dirty="0" err="1"/>
+              <a:t>Several</a:t>
+            </a:r>
+            <a:r>
+              <a:rPr lang="it-IT" dirty="0"/>
+              <a:t> </a:t>
+            </a:r>
+            <a:r>
+              <a:rPr lang="it-IT" dirty="0" err="1"/>
+              <a:t>environments</a:t>
+            </a:r>
+            <a:endParaRPr lang="it-IT" dirty="0"/>
+          </a:p>
+          <a:p>
+            <a:pPr marL="285750" indent="-285750">
+              <a:buFontTx/>
+              <a:buChar char="-"/>
+            </a:pPr>
+            <a:r>
+              <a:rPr lang="it-IT" dirty="0" err="1"/>
+              <a:t>Subtract</a:t>
+            </a:r>
+            <a:r>
+              <a:rPr lang="it-IT" dirty="0"/>
+              <a:t> overhead</a:t>
+            </a:r>
+          </a:p>
+          <a:p>
+            <a:pPr marL="285750" indent="-285750">
+              <a:buFontTx/>
+              <a:buChar char="-"/>
+            </a:pPr>
+            <a:endParaRPr lang="it-IT" dirty="0"/>
+          </a:p>
+        </p:txBody>
+      </p:sp>
       <p:pic>
         <p:nvPicPr>
-          <p:cNvPr id="5" name="Immagine 4">
-            <a:extLst>
-              <a:ext uri="{FF2B5EF4-FFF2-40B4-BE49-F238E27FC236}">
-                <a16:creationId xmlns:a16="http://schemas.microsoft.com/office/drawing/2014/main" id="{0BDFE357-5831-4F40-8AF4-F742001405DA}"/>
+          <p:cNvPr id="7" name="Immagine 6">
+            <a:extLst>
+              <a:ext uri="{FF2B5EF4-FFF2-40B4-BE49-F238E27FC236}">
+                <a16:creationId xmlns:a16="http://schemas.microsoft.com/office/drawing/2014/main" id="{5610FED4-9CCA-4ED8-B9E6-638B9E0C7B33}"/>
               </a:ext>
             </a:extLst>
           </p:cNvPr>
@@ -4320,20 +5972,133 @@
         </p:blipFill>
         <p:spPr>
           <a:xfrm>
-            <a:off x="3323838" y="217761"/>
-            <a:ext cx="2772162" cy="866896"/>
+            <a:off x="3635612" y="2856176"/>
+            <a:ext cx="5377679" cy="677503"/>
           </a:xfrm>
           <a:prstGeom prst="rect">
             <a:avLst/>
           </a:prstGeom>
         </p:spPr>
       </p:pic>
+      <p:sp>
+        <p:nvSpPr>
+          <p:cNvPr id="12" name="CasellaDiTesto 11">
+            <a:extLst>
+              <a:ext uri="{FF2B5EF4-FFF2-40B4-BE49-F238E27FC236}">
+                <a16:creationId xmlns:a16="http://schemas.microsoft.com/office/drawing/2014/main" id="{A5981409-EA86-40F6-B53F-21363FB90949}"/>
+              </a:ext>
+            </a:extLst>
+          </p:cNvPr>
+          <p:cNvSpPr txBox="1"/>
+          <p:nvPr/>
+        </p:nvSpPr>
+        <p:spPr>
+          <a:xfrm>
+            <a:off x="4132220" y="3475395"/>
+            <a:ext cx="3294743" cy="1754326"/>
+          </a:xfrm>
+          <a:prstGeom prst="rect">
+            <a:avLst/>
+          </a:prstGeom>
+          <a:noFill/>
+        </p:spPr>
+        <p:txBody>
+          <a:bodyPr wrap="square" rtlCol="0">
+            <a:spAutoFit/>
+          </a:bodyPr>
+          <a:lstStyle/>
+          <a:p>
+            <a:pPr marL="285750" indent="-285750">
+              <a:buFontTx/>
+              <a:buChar char="-"/>
+            </a:pPr>
+            <a:r>
+              <a:rPr lang="it-IT" dirty="0"/>
+              <a:t>Check RELEASE mode</a:t>
+            </a:r>
+          </a:p>
+          <a:p>
+            <a:pPr marL="285750" indent="-285750">
+              <a:buFontTx/>
+              <a:buChar char="-"/>
+            </a:pPr>
+            <a:r>
+              <a:rPr lang="it-IT" dirty="0"/>
+              <a:t>Check </a:t>
+            </a:r>
+            <a:r>
+              <a:rPr lang="it-IT" dirty="0" err="1"/>
+              <a:t>Inlining</a:t>
+            </a:r>
+            <a:endParaRPr lang="it-IT" dirty="0"/>
+          </a:p>
+          <a:p>
+            <a:pPr marL="285750" indent="-285750">
+              <a:buFontTx/>
+              <a:buChar char="-"/>
+            </a:pPr>
+            <a:r>
+              <a:rPr lang="it-IT" dirty="0"/>
+              <a:t>Best </a:t>
+            </a:r>
+            <a:r>
+              <a:rPr lang="it-IT" dirty="0" err="1"/>
+              <a:t>timestamp</a:t>
+            </a:r>
+            <a:r>
+              <a:rPr lang="it-IT" dirty="0"/>
+              <a:t> API</a:t>
+            </a:r>
+          </a:p>
+          <a:p>
+            <a:pPr marL="285750" indent="-285750">
+              <a:buFontTx/>
+              <a:buChar char="-"/>
+            </a:pPr>
+            <a:r>
+              <a:rPr lang="it-IT" dirty="0"/>
+              <a:t>Best </a:t>
+            </a:r>
+            <a:r>
+              <a:rPr lang="it-IT" dirty="0" err="1"/>
+              <a:t>practices</a:t>
+            </a:r>
+            <a:r>
+              <a:rPr lang="it-IT" dirty="0"/>
+              <a:t> by default (</a:t>
+            </a:r>
+            <a:r>
+              <a:rPr lang="it-IT" dirty="0" err="1"/>
+              <a:t>warm</a:t>
+            </a:r>
+            <a:r>
+              <a:rPr lang="it-IT" dirty="0"/>
+              <a:t>-up + </a:t>
+            </a:r>
+            <a:r>
+              <a:rPr lang="it-IT" dirty="0" err="1"/>
+              <a:t>isolation</a:t>
+            </a:r>
+            <a:r>
+              <a:rPr lang="it-IT" dirty="0"/>
+              <a:t>)</a:t>
+            </a:r>
+          </a:p>
+          <a:p>
+            <a:pPr marL="285750" indent="-285750">
+              <a:buFontTx/>
+              <a:buChar char="-"/>
+            </a:pPr>
+            <a:endParaRPr lang="it-IT" dirty="0"/>
+          </a:p>
+        </p:txBody>
+      </p:sp>
       <p:pic>
         <p:nvPicPr>
-          <p:cNvPr id="6" name="Immagine 5">
-            <a:extLst>
-              <a:ext uri="{FF2B5EF4-FFF2-40B4-BE49-F238E27FC236}">
-                <a16:creationId xmlns:a16="http://schemas.microsoft.com/office/drawing/2014/main" id="{271BE851-2336-4BF3-8A66-CD007A9BF8E6}"/>
+          <p:cNvPr id="10" name="Immagine 9">
+            <a:extLst>
+              <a:ext uri="{FF2B5EF4-FFF2-40B4-BE49-F238E27FC236}">
+                <a16:creationId xmlns:a16="http://schemas.microsoft.com/office/drawing/2014/main" id="{E1264D23-8FB5-4BAE-9583-A4F68EB8FA05}"/>
               </a:ext>
             </a:extLst>
           </p:cNvPr>
@@ -4350,8 +6115,158 @@
         </p:blipFill>
         <p:spPr>
           <a:xfrm>
-            <a:off x="6610833" y="250071"/>
-            <a:ext cx="5156819" cy="2709275"/>
+            <a:off x="3628907" y="4910380"/>
+            <a:ext cx="4922511" cy="638681"/>
+          </a:xfrm>
+          <a:prstGeom prst="rect">
+            <a:avLst/>
+          </a:prstGeom>
+        </p:spPr>
+      </p:pic>
+      <p:pic>
+        <p:nvPicPr>
+          <p:cNvPr id="13" name="Immagine 12">
+            <a:extLst>
+              <a:ext uri="{FF2B5EF4-FFF2-40B4-BE49-F238E27FC236}">
+                <a16:creationId xmlns:a16="http://schemas.microsoft.com/office/drawing/2014/main" id="{67D63443-3486-4AFD-9A77-EC015D31BE7A}"/>
+              </a:ext>
+            </a:extLst>
+          </p:cNvPr>
+          <p:cNvPicPr>
+            <a:picLocks noChangeAspect="1"/>
+          </p:cNvPicPr>
+          <p:nvPr/>
+        </p:nvPicPr>
+        <p:blipFill>
+          <a:blip r:embed="rId5"/>
+          <a:stretch>
+            <a:fillRect/>
+          </a:stretch>
+        </p:blipFill>
+        <p:spPr>
+          <a:xfrm>
+            <a:off x="3614233" y="5382350"/>
+            <a:ext cx="4951858" cy="546736"/>
+          </a:xfrm>
+          <a:prstGeom prst="rect">
+            <a:avLst/>
+          </a:prstGeom>
+        </p:spPr>
+      </p:pic>
+      <p:pic>
+        <p:nvPicPr>
+          <p:cNvPr id="14" name="Immagine 13">
+            <a:extLst>
+              <a:ext uri="{FF2B5EF4-FFF2-40B4-BE49-F238E27FC236}">
+                <a16:creationId xmlns:a16="http://schemas.microsoft.com/office/drawing/2014/main" id="{6F9F7574-6F09-4F56-9463-82F54DC092A1}"/>
+              </a:ext>
+            </a:extLst>
+          </p:cNvPr>
+          <p:cNvPicPr>
+            <a:picLocks noChangeAspect="1"/>
+          </p:cNvPicPr>
+          <p:nvPr/>
+        </p:nvPicPr>
+        <p:blipFill>
+          <a:blip r:embed="rId6"/>
+          <a:stretch>
+            <a:fillRect/>
+          </a:stretch>
+        </p:blipFill>
+        <p:spPr>
+          <a:xfrm>
+            <a:off x="3722912" y="5892782"/>
+            <a:ext cx="4935005" cy="546736"/>
+          </a:xfrm>
+          <a:prstGeom prst="rect">
+            <a:avLst/>
+          </a:prstGeom>
+        </p:spPr>
+      </p:pic>
+      <p:pic>
+        <p:nvPicPr>
+          <p:cNvPr id="15" name="Immagine 14">
+            <a:extLst>
+              <a:ext uri="{FF2B5EF4-FFF2-40B4-BE49-F238E27FC236}">
+                <a16:creationId xmlns:a16="http://schemas.microsoft.com/office/drawing/2014/main" id="{10F2F9E3-F780-43FD-B1FD-EF4368DC0DEC}"/>
+              </a:ext>
+            </a:extLst>
+          </p:cNvPr>
+          <p:cNvPicPr>
+            <a:picLocks noChangeAspect="1"/>
+          </p:cNvPicPr>
+          <p:nvPr/>
+        </p:nvPicPr>
+        <p:blipFill>
+          <a:blip r:embed="rId7"/>
+          <a:stretch>
+            <a:fillRect/>
+          </a:stretch>
+        </p:blipFill>
+        <p:spPr>
+          <a:xfrm>
+            <a:off x="3679370" y="6248991"/>
+            <a:ext cx="4968115" cy="589687"/>
+          </a:xfrm>
+          <a:prstGeom prst="rect">
+            <a:avLst/>
+          </a:prstGeom>
+        </p:spPr>
+      </p:pic>
+      <p:pic>
+        <p:nvPicPr>
+          <p:cNvPr id="16" name="Immagine 15">
+            <a:extLst>
+              <a:ext uri="{FF2B5EF4-FFF2-40B4-BE49-F238E27FC236}">
+                <a16:creationId xmlns:a16="http://schemas.microsoft.com/office/drawing/2014/main" id="{9B6DD007-0A3F-48F9-B586-8827BAF11828}"/>
+              </a:ext>
+            </a:extLst>
+          </p:cNvPr>
+          <p:cNvPicPr>
+            <a:picLocks noChangeAspect="1"/>
+          </p:cNvPicPr>
+          <p:nvPr/>
+        </p:nvPicPr>
+        <p:blipFill>
+          <a:blip r:embed="rId8"/>
+          <a:stretch>
+            <a:fillRect/>
+          </a:stretch>
+        </p:blipFill>
+        <p:spPr>
+          <a:xfrm>
+            <a:off x="3708397" y="98511"/>
+            <a:ext cx="6202239" cy="572730"/>
+          </a:xfrm>
+          <a:prstGeom prst="rect">
+            <a:avLst/>
+          </a:prstGeom>
+        </p:spPr>
+      </p:pic>
+      <p:pic>
+        <p:nvPicPr>
+          <p:cNvPr id="17" name="Immagine 16">
+            <a:extLst>
+              <a:ext uri="{FF2B5EF4-FFF2-40B4-BE49-F238E27FC236}">
+                <a16:creationId xmlns:a16="http://schemas.microsoft.com/office/drawing/2014/main" id="{BCF3B9A0-2C6E-4696-AE7B-4CB4FF7C2C47}"/>
+              </a:ext>
+            </a:extLst>
+          </p:cNvPr>
+          <p:cNvPicPr>
+            <a:picLocks noChangeAspect="1"/>
+          </p:cNvPicPr>
+          <p:nvPr/>
+        </p:nvPicPr>
+        <p:blipFill>
+          <a:blip r:embed="rId9"/>
+          <a:stretch>
+            <a:fillRect/>
+          </a:stretch>
+        </p:blipFill>
+        <p:spPr>
+          <a:xfrm>
+            <a:off x="6920762" y="1078270"/>
+            <a:ext cx="5143508" cy="409002"/>
           </a:xfrm>
           <a:prstGeom prst="rect">
             <a:avLst/>
@@ -4361,7 +6276,7 @@
     </p:spTree>
     <p:extLst>
       <p:ext uri="{BB962C8B-B14F-4D97-AF65-F5344CB8AC3E}">
-        <p14:creationId xmlns:p14="http://schemas.microsoft.com/office/powerpoint/2010/main" val="2835866398"/>
+        <p14:creationId xmlns:p14="http://schemas.microsoft.com/office/powerpoint/2010/main" val="1728627821"/>
       </p:ext>
     </p:extLst>
   </p:cSld>
@@ -4398,7 +6313,7 @@
       </p:grpSpPr>
       <p:sp>
         <p:nvSpPr>
-          <p:cNvPr id="16" name="Rectangle 15">
+          <p:cNvPr id="9" name="Rectangle 8">
             <a:extLst>
               <a:ext uri="{FF2B5EF4-FFF2-40B4-BE49-F238E27FC236}">
                 <a16:creationId xmlns:a16="http://schemas.microsoft.com/office/drawing/2014/main" id="{6753252F-4873-4F63-801D-CC719279A7D5}"/>
@@ -4461,7 +6376,7 @@
       </p:sp>
       <p:sp>
         <p:nvSpPr>
-          <p:cNvPr id="18" name="Rectangle 17">
+          <p:cNvPr id="11" name="Rectangle 10">
             <a:extLst>
               <a:ext uri="{FF2B5EF4-FFF2-40B4-BE49-F238E27FC236}">
                 <a16:creationId xmlns:a16="http://schemas.microsoft.com/office/drawing/2014/main" id="{047C8CCB-F95D-4249-92DD-651249D3535A}"/>
@@ -4491,7 +6406,7 @@
             <a:avLst/>
           </a:prstGeom>
           <a:solidFill>
-            <a:srgbClr val="486427"/>
+            <a:srgbClr val="5D3E34"/>
           </a:solidFill>
           <a:ln>
             <a:noFill/>
@@ -4527,7 +6442,7 @@
           <p:cNvPr id="2" name="Titolo 1">
             <a:extLst>
               <a:ext uri="{FF2B5EF4-FFF2-40B4-BE49-F238E27FC236}">
-                <a16:creationId xmlns:a16="http://schemas.microsoft.com/office/drawing/2014/main" id="{8B92A8FD-9728-4B88-9430-9304C264A553}"/>
+                <a16:creationId xmlns:a16="http://schemas.microsoft.com/office/drawing/2014/main" id="{7515BCE8-FC0C-4D7D-BDD1-B38A979973CA}"/>
               </a:ext>
             </a:extLst>
           </p:cNvPr>
@@ -4563,7 +6478,7 @@
           <a:p>
             <a:pPr algn="ctr"/>
             <a:r>
-              <a:rPr lang="en-US" sz="2400" kern="1200" dirty="0">
+              <a:rPr lang="en-US" sz="2400" kern="1200" dirty="0" err="1">
                 <a:solidFill>
                   <a:srgbClr val="FFFFFF"/>
                 </a:solidFill>
@@ -4571,24 +6486,34 @@
                 <a:ea typeface="+mj-ea"/>
                 <a:cs typeface="+mj-cs"/>
               </a:rPr>
-              <a:t>Attributes - Jobs</a:t>
-            </a:r>
+              <a:t>RPlotExporter</a:t>
+            </a:r>
+            <a:endParaRPr lang="en-US" sz="2400" kern="1200" dirty="0">
+              <a:solidFill>
+                <a:srgbClr val="FFFFFF"/>
+              </a:solidFill>
+              <a:latin typeface="+mj-lt"/>
+              <a:ea typeface="+mj-ea"/>
+              <a:cs typeface="+mj-cs"/>
+            </a:endParaRPr>
           </a:p>
         </p:txBody>
       </p:sp>
       <p:pic>
         <p:nvPicPr>
-          <p:cNvPr id="6" name="Immagine 5">
-            <a:extLst>
-              <a:ext uri="{FF2B5EF4-FFF2-40B4-BE49-F238E27FC236}">
-                <a16:creationId xmlns:a16="http://schemas.microsoft.com/office/drawing/2014/main" id="{2AACAC04-4945-483A-AF1A-251CC19CB796}"/>
+          <p:cNvPr id="4" name="Segnaposto contenuto 3">
+            <a:extLst>
+              <a:ext uri="{FF2B5EF4-FFF2-40B4-BE49-F238E27FC236}">
+                <a16:creationId xmlns:a16="http://schemas.microsoft.com/office/drawing/2014/main" id="{F9B74869-0285-4FD2-A1C6-6ABFE056BC39}"/>
               </a:ext>
             </a:extLst>
           </p:cNvPr>
           <p:cNvPicPr>
-            <a:picLocks noChangeAspect="1"/>
+            <a:picLocks noGrp="1" noChangeAspect="1"/>
           </p:cNvPicPr>
-          <p:nvPr/>
+          <p:nvPr>
+            <p:ph idx="1"/>
+          </p:nvPr>
         </p:nvPicPr>
         <p:blipFill>
           <a:blip r:embed="rId2"/>
@@ -4598,8 +6523,8 @@
         </p:blipFill>
         <p:spPr>
           <a:xfrm>
-            <a:off x="3610897" y="126662"/>
-            <a:ext cx="8121354" cy="4401093"/>
+            <a:off x="4567086" y="3279756"/>
+            <a:ext cx="7188199" cy="3360483"/>
           </a:xfrm>
           <a:prstGeom prst="rect">
             <a:avLst/>
@@ -4608,10 +6533,10 @@
       </p:pic>
       <p:pic>
         <p:nvPicPr>
-          <p:cNvPr id="7" name="Immagine 6">
-            <a:extLst>
-              <a:ext uri="{FF2B5EF4-FFF2-40B4-BE49-F238E27FC236}">
-                <a16:creationId xmlns:a16="http://schemas.microsoft.com/office/drawing/2014/main" id="{0569C240-D3F3-4935-A27A-388866C33658}"/>
+          <p:cNvPr id="5" name="Immagine 4">
+            <a:extLst>
+              <a:ext uri="{FF2B5EF4-FFF2-40B4-BE49-F238E27FC236}">
+                <a16:creationId xmlns:a16="http://schemas.microsoft.com/office/drawing/2014/main" id="{0BDFE357-5831-4F40-8AF4-F742001405DA}"/>
               </a:ext>
             </a:extLst>
           </p:cNvPr>
@@ -4628,8 +6553,38 @@
         </p:blipFill>
         <p:spPr>
           <a:xfrm>
-            <a:off x="3610897" y="4527755"/>
-            <a:ext cx="3610479" cy="1819529"/>
+            <a:off x="3323838" y="217761"/>
+            <a:ext cx="2772162" cy="866896"/>
+          </a:xfrm>
+          <a:prstGeom prst="rect">
+            <a:avLst/>
+          </a:prstGeom>
+        </p:spPr>
+      </p:pic>
+      <p:pic>
+        <p:nvPicPr>
+          <p:cNvPr id="6" name="Immagine 5">
+            <a:extLst>
+              <a:ext uri="{FF2B5EF4-FFF2-40B4-BE49-F238E27FC236}">
+                <a16:creationId xmlns:a16="http://schemas.microsoft.com/office/drawing/2014/main" id="{271BE851-2336-4BF3-8A66-CD007A9BF8E6}"/>
+              </a:ext>
+            </a:extLst>
+          </p:cNvPr>
+          <p:cNvPicPr>
+            <a:picLocks noChangeAspect="1"/>
+          </p:cNvPicPr>
+          <p:nvPr/>
+        </p:nvPicPr>
+        <p:blipFill>
+          <a:blip r:embed="rId4"/>
+          <a:stretch>
+            <a:fillRect/>
+          </a:stretch>
+        </p:blipFill>
+        <p:spPr>
+          <a:xfrm>
+            <a:off x="6610833" y="250071"/>
+            <a:ext cx="5156819" cy="2709275"/>
           </a:xfrm>
           <a:prstGeom prst="rect">
             <a:avLst/>
@@ -4639,7 +6594,7 @@
     </p:spTree>
     <p:extLst>
       <p:ext uri="{BB962C8B-B14F-4D97-AF65-F5344CB8AC3E}">
-        <p14:creationId xmlns:p14="http://schemas.microsoft.com/office/powerpoint/2010/main" val="3708424440"/>
+        <p14:creationId xmlns:p14="http://schemas.microsoft.com/office/powerpoint/2010/main" val="2835866398"/>
       </p:ext>
     </p:extLst>
   </p:cSld>
@@ -4676,7 +6631,7 @@
       </p:grpSpPr>
       <p:sp>
         <p:nvSpPr>
-          <p:cNvPr id="9" name="Rectangle 8">
+          <p:cNvPr id="16" name="Rectangle 15">
             <a:extLst>
               <a:ext uri="{FF2B5EF4-FFF2-40B4-BE49-F238E27FC236}">
                 <a16:creationId xmlns:a16="http://schemas.microsoft.com/office/drawing/2014/main" id="{6753252F-4873-4F63-801D-CC719279A7D5}"/>
@@ -4739,7 +6694,7 @@
       </p:sp>
       <p:sp>
         <p:nvSpPr>
-          <p:cNvPr id="11" name="Rectangle 10">
+          <p:cNvPr id="18" name="Rectangle 17">
             <a:extLst>
               <a:ext uri="{FF2B5EF4-FFF2-40B4-BE49-F238E27FC236}">
                 <a16:creationId xmlns:a16="http://schemas.microsoft.com/office/drawing/2014/main" id="{047C8CCB-F95D-4249-92DD-651249D3535A}"/>
@@ -4769,7 +6724,7 @@
             <a:avLst/>
           </a:prstGeom>
           <a:solidFill>
-            <a:srgbClr val="2F5A27"/>
+            <a:srgbClr val="486427"/>
           </a:solidFill>
           <a:ln>
             <a:noFill/>
@@ -4805,7 +6760,7 @@
           <p:cNvPr id="2" name="Titolo 1">
             <a:extLst>
               <a:ext uri="{FF2B5EF4-FFF2-40B4-BE49-F238E27FC236}">
-                <a16:creationId xmlns:a16="http://schemas.microsoft.com/office/drawing/2014/main" id="{94BC5AFC-58C4-4A0C-AE3F-18C279B8C533}"/>
+                <a16:creationId xmlns:a16="http://schemas.microsoft.com/office/drawing/2014/main" id="{8B92A8FD-9728-4B88-9430-9304C264A553}"/>
               </a:ext>
             </a:extLst>
           </p:cNvPr>
@@ -4841,7 +6796,7 @@
           <a:p>
             <a:pPr algn="ctr"/>
             <a:r>
-              <a:rPr lang="en-US" sz="2600" kern="1200">
+              <a:rPr lang="en-US" sz="2400" kern="1200" dirty="0">
                 <a:solidFill>
                   <a:srgbClr val="FFFFFF"/>
                 </a:solidFill>
@@ -4849,26 +6804,24 @@
                 <a:ea typeface="+mj-ea"/>
                 <a:cs typeface="+mj-cs"/>
               </a:rPr>
-              <a:t>Attributes - Runtimes</a:t>
+              <a:t>Attributes - Jobs</a:t>
             </a:r>
           </a:p>
         </p:txBody>
       </p:sp>
       <p:pic>
         <p:nvPicPr>
-          <p:cNvPr id="4" name="Segnaposto contenuto 3">
-            <a:extLst>
-              <a:ext uri="{FF2B5EF4-FFF2-40B4-BE49-F238E27FC236}">
-                <a16:creationId xmlns:a16="http://schemas.microsoft.com/office/drawing/2014/main" id="{381E8813-C46C-45A7-A5F2-62EE4024F640}"/>
+          <p:cNvPr id="6" name="Immagine 5">
+            <a:extLst>
+              <a:ext uri="{FF2B5EF4-FFF2-40B4-BE49-F238E27FC236}">
+                <a16:creationId xmlns:a16="http://schemas.microsoft.com/office/drawing/2014/main" id="{2AACAC04-4945-483A-AF1A-251CC19CB796}"/>
               </a:ext>
             </a:extLst>
           </p:cNvPr>
           <p:cNvPicPr>
-            <a:picLocks noGrp="1" noChangeAspect="1"/>
+            <a:picLocks noChangeAspect="1"/>
           </p:cNvPicPr>
-          <p:nvPr>
-            <p:ph idx="1"/>
-          </p:nvPr>
+          <p:nvPr/>
         </p:nvPicPr>
         <p:blipFill>
           <a:blip r:embed="rId2"/>
@@ -4878,8 +6831,38 @@
         </p:blipFill>
         <p:spPr>
           <a:xfrm>
-            <a:off x="4583307" y="787791"/>
-            <a:ext cx="5327609" cy="4930987"/>
+            <a:off x="3610897" y="126662"/>
+            <a:ext cx="8121354" cy="4401093"/>
+          </a:xfrm>
+          <a:prstGeom prst="rect">
+            <a:avLst/>
+          </a:prstGeom>
+        </p:spPr>
+      </p:pic>
+      <p:pic>
+        <p:nvPicPr>
+          <p:cNvPr id="7" name="Immagine 6">
+            <a:extLst>
+              <a:ext uri="{FF2B5EF4-FFF2-40B4-BE49-F238E27FC236}">
+                <a16:creationId xmlns:a16="http://schemas.microsoft.com/office/drawing/2014/main" id="{0569C240-D3F3-4935-A27A-388866C33658}"/>
+              </a:ext>
+            </a:extLst>
+          </p:cNvPr>
+          <p:cNvPicPr>
+            <a:picLocks noChangeAspect="1"/>
+          </p:cNvPicPr>
+          <p:nvPr/>
+        </p:nvPicPr>
+        <p:blipFill>
+          <a:blip r:embed="rId3"/>
+          <a:stretch>
+            <a:fillRect/>
+          </a:stretch>
+        </p:blipFill>
+        <p:spPr>
+          <a:xfrm>
+            <a:off x="3610897" y="4527755"/>
+            <a:ext cx="3610479" cy="1819529"/>
           </a:xfrm>
           <a:prstGeom prst="rect">
             <a:avLst/>
@@ -4889,7 +6872,7 @@
     </p:spTree>
     <p:extLst>
       <p:ext uri="{BB962C8B-B14F-4D97-AF65-F5344CB8AC3E}">
-        <p14:creationId xmlns:p14="http://schemas.microsoft.com/office/powerpoint/2010/main" val="1562404663"/>
+        <p14:creationId xmlns:p14="http://schemas.microsoft.com/office/powerpoint/2010/main" val="3708424440"/>
       </p:ext>
     </p:extLst>
   </p:cSld>
@@ -5106,10 +7089,10 @@
       </p:sp>
       <p:pic>
         <p:nvPicPr>
-          <p:cNvPr id="6" name="Segnaposto contenuto 5">
-            <a:extLst>
-              <a:ext uri="{FF2B5EF4-FFF2-40B4-BE49-F238E27FC236}">
-                <a16:creationId xmlns:a16="http://schemas.microsoft.com/office/drawing/2014/main" id="{8CC746C7-7EFC-4DE6-88D6-82CBAC3FED0D}"/>
+          <p:cNvPr id="4" name="Segnaposto contenuto 3">
+            <a:extLst>
+              <a:ext uri="{FF2B5EF4-FFF2-40B4-BE49-F238E27FC236}">
+                <a16:creationId xmlns:a16="http://schemas.microsoft.com/office/drawing/2014/main" id="{381E8813-C46C-45A7-A5F2-62EE4024F640}"/>
               </a:ext>
             </a:extLst>
           </p:cNvPr>
@@ -5128,8 +7111,8 @@
         </p:blipFill>
         <p:spPr>
           <a:xfrm>
-            <a:off x="3633974" y="217157"/>
-            <a:ext cx="8316486" cy="4220164"/>
+            <a:off x="4583307" y="787791"/>
+            <a:ext cx="5327609" cy="4930987"/>
           </a:xfrm>
           <a:prstGeom prst="rect">
             <a:avLst/>
@@ -5139,7 +7122,7 @@
     </p:spTree>
     <p:extLst>
       <p:ext uri="{BB962C8B-B14F-4D97-AF65-F5344CB8AC3E}">
-        <p14:creationId xmlns:p14="http://schemas.microsoft.com/office/powerpoint/2010/main" val="705866952"/>
+        <p14:creationId xmlns:p14="http://schemas.microsoft.com/office/powerpoint/2010/main" val="1562404663"/>
       </p:ext>
     </p:extLst>
   </p:cSld>
@@ -5269,7 +7252,7 @@
             <a:avLst/>
           </a:prstGeom>
           <a:solidFill>
-            <a:srgbClr val="465A5E"/>
+            <a:srgbClr val="2F5A27"/>
           </a:solidFill>
           <a:ln>
             <a:noFill/>
@@ -5305,7 +7288,7 @@
           <p:cNvPr id="2" name="Titolo 1">
             <a:extLst>
               <a:ext uri="{FF2B5EF4-FFF2-40B4-BE49-F238E27FC236}">
-                <a16:creationId xmlns:a16="http://schemas.microsoft.com/office/drawing/2014/main" id="{AC023D4E-B399-468D-82BF-2C311AB2CDA4}"/>
+                <a16:creationId xmlns:a16="http://schemas.microsoft.com/office/drawing/2014/main" id="{94BC5AFC-58C4-4A0C-AE3F-18C279B8C533}"/>
               </a:ext>
             </a:extLst>
           </p:cNvPr>
@@ -5341,7 +7324,7 @@
           <a:p>
             <a:pPr algn="ctr"/>
             <a:r>
-              <a:rPr lang="en-US" sz="2400" kern="1200">
+              <a:rPr lang="en-US" sz="2600" kern="1200">
                 <a:solidFill>
                   <a:srgbClr val="FFFFFF"/>
                 </a:solidFill>
@@ -5349,17 +7332,17 @@
                 <a:ea typeface="+mj-ea"/>
                 <a:cs typeface="+mj-cs"/>
               </a:rPr>
-              <a:t>Manual Configuration – Dotnetcore versions</a:t>
+              <a:t>Attributes - Runtimes</a:t>
             </a:r>
           </a:p>
         </p:txBody>
       </p:sp>
       <p:pic>
         <p:nvPicPr>
-          <p:cNvPr id="4" name="Segnaposto contenuto 3">
-            <a:extLst>
-              <a:ext uri="{FF2B5EF4-FFF2-40B4-BE49-F238E27FC236}">
-                <a16:creationId xmlns:a16="http://schemas.microsoft.com/office/drawing/2014/main" id="{392F0623-6476-4E6C-9E19-388B7B115F03}"/>
+          <p:cNvPr id="6" name="Segnaposto contenuto 5">
+            <a:extLst>
+              <a:ext uri="{FF2B5EF4-FFF2-40B4-BE49-F238E27FC236}">
+                <a16:creationId xmlns:a16="http://schemas.microsoft.com/office/drawing/2014/main" id="{8CC746C7-7EFC-4DE6-88D6-82CBAC3FED0D}"/>
               </a:ext>
             </a:extLst>
           </p:cNvPr>
@@ -5378,8 +7361,8 @@
         </p:blipFill>
         <p:spPr>
           <a:xfrm>
-            <a:off x="3711024" y="126609"/>
-            <a:ext cx="7717301" cy="6386732"/>
+            <a:off x="3633974" y="217157"/>
+            <a:ext cx="8316486" cy="4220164"/>
           </a:xfrm>
           <a:prstGeom prst="rect">
             <a:avLst/>
@@ -5389,7 +7372,7 @@
     </p:spTree>
     <p:extLst>
       <p:ext uri="{BB962C8B-B14F-4D97-AF65-F5344CB8AC3E}">
-        <p14:creationId xmlns:p14="http://schemas.microsoft.com/office/powerpoint/2010/main" val="3085900176"/>
+        <p14:creationId xmlns:p14="http://schemas.microsoft.com/office/powerpoint/2010/main" val="705866952"/>
       </p:ext>
     </p:extLst>
   </p:cSld>
@@ -5599,36 +7582,17 @@
                 <a:ea typeface="+mj-ea"/>
                 <a:cs typeface="+mj-cs"/>
               </a:rPr>
-              <a:t>Memory </a:t>
-            </a:r>
-            <a:r>
-              <a:rPr lang="en-US" sz="2400" kern="1200" dirty="0" err="1">
-                <a:solidFill>
-                  <a:srgbClr val="FFFFFF"/>
-                </a:solidFill>
-                <a:latin typeface="+mj-lt"/>
-                <a:ea typeface="+mj-ea"/>
-                <a:cs typeface="+mj-cs"/>
-              </a:rPr>
-              <a:t>Diagnoser</a:t>
-            </a:r>
-            <a:endParaRPr lang="en-US" sz="2400" kern="1200" dirty="0">
-              <a:solidFill>
-                <a:srgbClr val="FFFFFF"/>
-              </a:solidFill>
-              <a:latin typeface="+mj-lt"/>
-              <a:ea typeface="+mj-ea"/>
-              <a:cs typeface="+mj-cs"/>
-            </a:endParaRPr>
+              <a:t>Manual Configuration</a:t>
+            </a:r>
           </a:p>
         </p:txBody>
       </p:sp>
       <p:pic>
         <p:nvPicPr>
-          <p:cNvPr id="6" name="Segnaposto contenuto 5">
-            <a:extLst>
-              <a:ext uri="{FF2B5EF4-FFF2-40B4-BE49-F238E27FC236}">
-                <a16:creationId xmlns:a16="http://schemas.microsoft.com/office/drawing/2014/main" id="{40FDBAE8-70BA-4E63-9428-A75E639FD746}"/>
+          <p:cNvPr id="4" name="Segnaposto contenuto 3">
+            <a:extLst>
+              <a:ext uri="{FF2B5EF4-FFF2-40B4-BE49-F238E27FC236}">
+                <a16:creationId xmlns:a16="http://schemas.microsoft.com/office/drawing/2014/main" id="{392F0623-6476-4E6C-9E19-388B7B115F03}"/>
               </a:ext>
             </a:extLst>
           </p:cNvPr>
@@ -5647,8 +7611,38 @@
         </p:blipFill>
         <p:spPr>
           <a:xfrm>
-            <a:off x="3392434" y="0"/>
-            <a:ext cx="8688200" cy="6231988"/>
+            <a:off x="3711024" y="126609"/>
+            <a:ext cx="7717301" cy="6386732"/>
+          </a:xfrm>
+          <a:prstGeom prst="rect">
+            <a:avLst/>
+          </a:prstGeom>
+        </p:spPr>
+      </p:pic>
+      <p:pic>
+        <p:nvPicPr>
+          <p:cNvPr id="3" name="Immagine 2">
+            <a:extLst>
+              <a:ext uri="{FF2B5EF4-FFF2-40B4-BE49-F238E27FC236}">
+                <a16:creationId xmlns:a16="http://schemas.microsoft.com/office/drawing/2014/main" id="{98F3D559-4578-4431-8220-E07575F8171B}"/>
+              </a:ext>
+            </a:extLst>
+          </p:cNvPr>
+          <p:cNvPicPr>
+            <a:picLocks noChangeAspect="1"/>
+          </p:cNvPicPr>
+          <p:nvPr/>
+        </p:nvPicPr>
+        <p:blipFill>
+          <a:blip r:embed="rId3"/>
+          <a:stretch>
+            <a:fillRect/>
+          </a:stretch>
+        </p:blipFill>
+        <p:spPr>
+          <a:xfrm>
+            <a:off x="7420028" y="1304401"/>
+            <a:ext cx="4771972" cy="3006342"/>
           </a:xfrm>
           <a:prstGeom prst="rect">
             <a:avLst/>
@@ -5658,7 +7652,7 @@
     </p:spTree>
     <p:extLst>
       <p:ext uri="{BB962C8B-B14F-4D97-AF65-F5344CB8AC3E}">
-        <p14:creationId xmlns:p14="http://schemas.microsoft.com/office/powerpoint/2010/main" val="2600167874"/>
+        <p14:creationId xmlns:p14="http://schemas.microsoft.com/office/powerpoint/2010/main" val="3085900176"/>
       </p:ext>
     </p:extLst>
   </p:cSld>
